--- a/陪我走過春夏秋冬.pptx
+++ b/陪我走過春夏秋冬.pptx
@@ -5,16 +5,19 @@
     <p:sldMasterId id="2147483660" r:id="rId1"/>
   </p:sldMasterIdLst>
   <p:notesMasterIdLst>
-    <p:notesMasterId r:id="rId7"/>
+    <p:notesMasterId r:id="rId10"/>
   </p:notesMasterIdLst>
   <p:sldIdLst>
-    <p:sldId id="256" r:id="rId2"/>
-    <p:sldId id="261" r:id="rId3"/>
-    <p:sldId id="262" r:id="rId4"/>
-    <p:sldId id="263" r:id="rId5"/>
-    <p:sldId id="264" r:id="rId6"/>
+    <p:sldId id="265" r:id="rId2"/>
+    <p:sldId id="266" r:id="rId3"/>
+    <p:sldId id="267" r:id="rId4"/>
+    <p:sldId id="268" r:id="rId5"/>
+    <p:sldId id="269" r:id="rId6"/>
+    <p:sldId id="270" r:id="rId7"/>
+    <p:sldId id="271" r:id="rId8"/>
+    <p:sldId id="272" r:id="rId9"/>
   </p:sldIdLst>
-  <p:sldSz cx="9144000" cy="6858000" type="screen4x3"/>
+  <p:sldSz cx="12192000" cy="6858000"/>
   <p:notesSz cx="6858000" cy="9144000"/>
   <p:defaultTextStyle>
     <a:defPPr>
@@ -111,6 +114,22 @@
       </a:defRPr>
     </a:lvl9pPr>
   </p:defaultTextStyle>
+  <p:extLst>
+    <p:ext uri="{EFAFB233-063F-42B5-8137-9DF3F51BA10A}">
+      <p15:sldGuideLst xmlns:p15="http://schemas.microsoft.com/office/powerpoint/2012/main">
+        <p15:guide id="1" orient="horz" pos="2160" userDrawn="1">
+          <p15:clr>
+            <a:srgbClr val="A4A3A4"/>
+          </p15:clr>
+        </p15:guide>
+        <p15:guide id="2" pos="3840" userDrawn="1">
+          <p15:clr>
+            <a:srgbClr val="A4A3A4"/>
+          </p15:clr>
+        </p15:guide>
+      </p15:sldGuideLst>
+    </p:ext>
+  </p:extLst>
 </p:presentation>
 </file>
 
@@ -197,7 +216,7 @@
             <a:fld id="{6E45087F-B3FD-489D-A87D-936C085A0E8E}" type="datetimeFigureOut">
               <a:rPr lang="zh-TW" altLang="en-US" smtClean="0"/>
               <a:pPr/>
-              <a:t>2017/10/18</a:t>
+              <a:t>2022/9/24</a:t>
             </a:fld>
             <a:endParaRPr lang="zh-TW" altLang="en-US"/>
           </a:p>
@@ -215,8 +234,8 @@
         </p:nvSpPr>
         <p:spPr>
           <a:xfrm>
-            <a:off x="1143000" y="685800"/>
-            <a:ext cx="4572000" cy="3429000"/>
+            <a:off x="381000" y="685800"/>
+            <a:ext cx="6096000" cy="3429000"/>
           </a:xfrm>
           <a:prstGeom prst="rect">
             <a:avLst/>
@@ -463,416 +482,6 @@
 </p:notesMaster>
 </file>
 
-<file path=ppt/notesSlides/notesSlide1.xml><?xml version="1.0" encoding="utf-8"?>
-<p:notes xmlns:a="http://schemas.openxmlformats.org/drawingml/2006/main" xmlns:r="http://schemas.openxmlformats.org/officeDocument/2006/relationships" xmlns:p="http://schemas.openxmlformats.org/presentationml/2006/main">
-  <p:cSld>
-    <p:spTree>
-      <p:nvGrpSpPr>
-        <p:cNvPr id="1" name=""/>
-        <p:cNvGrpSpPr/>
-        <p:nvPr/>
-      </p:nvGrpSpPr>
-      <p:grpSpPr>
-        <a:xfrm>
-          <a:off x="0" y="0"/>
-          <a:ext cx="0" cy="0"/>
-          <a:chOff x="0" y="0"/>
-          <a:chExt cx="0" cy="0"/>
-        </a:xfrm>
-      </p:grpSpPr>
-      <p:sp>
-        <p:nvSpPr>
-          <p:cNvPr id="2" name="投影片圖像版面配置區 1"/>
-          <p:cNvSpPr>
-            <a:spLocks noGrp="1" noRot="1" noChangeAspect="1"/>
-          </p:cNvSpPr>
-          <p:nvPr>
-            <p:ph type="sldImg"/>
-          </p:nvPr>
-        </p:nvSpPr>
-        <p:spPr/>
-      </p:sp>
-      <p:sp>
-        <p:nvSpPr>
-          <p:cNvPr id="3" name="備忘稿版面配置區 2"/>
-          <p:cNvSpPr>
-            <a:spLocks noGrp="1"/>
-          </p:cNvSpPr>
-          <p:nvPr>
-            <p:ph type="body" idx="1"/>
-          </p:nvPr>
-        </p:nvSpPr>
-        <p:spPr/>
-        <p:txBody>
-          <a:bodyPr>
-            <a:normAutofit/>
-          </a:bodyPr>
-          <a:lstStyle/>
-          <a:p>
-            <a:endParaRPr lang="zh-TW" altLang="en-US" dirty="0"/>
-          </a:p>
-        </p:txBody>
-      </p:sp>
-      <p:sp>
-        <p:nvSpPr>
-          <p:cNvPr id="4" name="投影片編號版面配置區 3"/>
-          <p:cNvSpPr>
-            <a:spLocks noGrp="1"/>
-          </p:cNvSpPr>
-          <p:nvPr>
-            <p:ph type="sldNum" sz="quarter" idx="10"/>
-          </p:nvPr>
-        </p:nvSpPr>
-        <p:spPr/>
-        <p:txBody>
-          <a:bodyPr/>
-          <a:lstStyle/>
-          <a:p>
-            <a:fld id="{90D1B3D8-E77F-455E-B5A5-7C98165B6363}" type="slidenum">
-              <a:rPr lang="zh-TW" altLang="en-US" smtClean="0"/>
-              <a:pPr/>
-              <a:t>1</a:t>
-            </a:fld>
-            <a:endParaRPr lang="zh-TW" altLang="en-US"/>
-          </a:p>
-        </p:txBody>
-      </p:sp>
-    </p:spTree>
-  </p:cSld>
-  <p:clrMapOvr>
-    <a:masterClrMapping/>
-  </p:clrMapOvr>
-</p:notes>
-</file>
-
-<file path=ppt/notesSlides/notesSlide2.xml><?xml version="1.0" encoding="utf-8"?>
-<p:notes xmlns:a="http://schemas.openxmlformats.org/drawingml/2006/main" xmlns:r="http://schemas.openxmlformats.org/officeDocument/2006/relationships" xmlns:p="http://schemas.openxmlformats.org/presentationml/2006/main">
-  <p:cSld>
-    <p:spTree>
-      <p:nvGrpSpPr>
-        <p:cNvPr id="1" name=""/>
-        <p:cNvGrpSpPr/>
-        <p:nvPr/>
-      </p:nvGrpSpPr>
-      <p:grpSpPr>
-        <a:xfrm>
-          <a:off x="0" y="0"/>
-          <a:ext cx="0" cy="0"/>
-          <a:chOff x="0" y="0"/>
-          <a:chExt cx="0" cy="0"/>
-        </a:xfrm>
-      </p:grpSpPr>
-      <p:sp>
-        <p:nvSpPr>
-          <p:cNvPr id="2" name="投影片圖像版面配置區 1"/>
-          <p:cNvSpPr>
-            <a:spLocks noGrp="1" noRot="1" noChangeAspect="1"/>
-          </p:cNvSpPr>
-          <p:nvPr>
-            <p:ph type="sldImg"/>
-          </p:nvPr>
-        </p:nvSpPr>
-        <p:spPr/>
-      </p:sp>
-      <p:sp>
-        <p:nvSpPr>
-          <p:cNvPr id="3" name="備忘稿版面配置區 2"/>
-          <p:cNvSpPr>
-            <a:spLocks noGrp="1"/>
-          </p:cNvSpPr>
-          <p:nvPr>
-            <p:ph type="body" idx="1"/>
-          </p:nvPr>
-        </p:nvSpPr>
-        <p:spPr/>
-        <p:txBody>
-          <a:bodyPr>
-            <a:normAutofit/>
-          </a:bodyPr>
-          <a:lstStyle/>
-          <a:p>
-            <a:endParaRPr lang="zh-TW" altLang="en-US" dirty="0"/>
-          </a:p>
-        </p:txBody>
-      </p:sp>
-      <p:sp>
-        <p:nvSpPr>
-          <p:cNvPr id="4" name="投影片編號版面配置區 3"/>
-          <p:cNvSpPr>
-            <a:spLocks noGrp="1"/>
-          </p:cNvSpPr>
-          <p:nvPr>
-            <p:ph type="sldNum" sz="quarter" idx="10"/>
-          </p:nvPr>
-        </p:nvSpPr>
-        <p:spPr/>
-        <p:txBody>
-          <a:bodyPr/>
-          <a:lstStyle/>
-          <a:p>
-            <a:fld id="{90D1B3D8-E77F-455E-B5A5-7C98165B6363}" type="slidenum">
-              <a:rPr lang="zh-TW" altLang="en-US" smtClean="0"/>
-              <a:pPr/>
-              <a:t>2</a:t>
-            </a:fld>
-            <a:endParaRPr lang="zh-TW" altLang="en-US"/>
-          </a:p>
-        </p:txBody>
-      </p:sp>
-    </p:spTree>
-  </p:cSld>
-  <p:clrMapOvr>
-    <a:masterClrMapping/>
-  </p:clrMapOvr>
-</p:notes>
-</file>
-
-<file path=ppt/notesSlides/notesSlide3.xml><?xml version="1.0" encoding="utf-8"?>
-<p:notes xmlns:a="http://schemas.openxmlformats.org/drawingml/2006/main" xmlns:r="http://schemas.openxmlformats.org/officeDocument/2006/relationships" xmlns:p="http://schemas.openxmlformats.org/presentationml/2006/main">
-  <p:cSld>
-    <p:spTree>
-      <p:nvGrpSpPr>
-        <p:cNvPr id="1" name=""/>
-        <p:cNvGrpSpPr/>
-        <p:nvPr/>
-      </p:nvGrpSpPr>
-      <p:grpSpPr>
-        <a:xfrm>
-          <a:off x="0" y="0"/>
-          <a:ext cx="0" cy="0"/>
-          <a:chOff x="0" y="0"/>
-          <a:chExt cx="0" cy="0"/>
-        </a:xfrm>
-      </p:grpSpPr>
-      <p:sp>
-        <p:nvSpPr>
-          <p:cNvPr id="2" name="投影片圖像版面配置區 1"/>
-          <p:cNvSpPr>
-            <a:spLocks noGrp="1" noRot="1" noChangeAspect="1"/>
-          </p:cNvSpPr>
-          <p:nvPr>
-            <p:ph type="sldImg"/>
-          </p:nvPr>
-        </p:nvSpPr>
-        <p:spPr/>
-      </p:sp>
-      <p:sp>
-        <p:nvSpPr>
-          <p:cNvPr id="3" name="備忘稿版面配置區 2"/>
-          <p:cNvSpPr>
-            <a:spLocks noGrp="1"/>
-          </p:cNvSpPr>
-          <p:nvPr>
-            <p:ph type="body" idx="1"/>
-          </p:nvPr>
-        </p:nvSpPr>
-        <p:spPr/>
-        <p:txBody>
-          <a:bodyPr>
-            <a:normAutofit/>
-          </a:bodyPr>
-          <a:lstStyle/>
-          <a:p>
-            <a:endParaRPr lang="zh-TW" altLang="en-US" dirty="0"/>
-          </a:p>
-        </p:txBody>
-      </p:sp>
-      <p:sp>
-        <p:nvSpPr>
-          <p:cNvPr id="4" name="投影片編號版面配置區 3"/>
-          <p:cNvSpPr>
-            <a:spLocks noGrp="1"/>
-          </p:cNvSpPr>
-          <p:nvPr>
-            <p:ph type="sldNum" sz="quarter" idx="10"/>
-          </p:nvPr>
-        </p:nvSpPr>
-        <p:spPr/>
-        <p:txBody>
-          <a:bodyPr/>
-          <a:lstStyle/>
-          <a:p>
-            <a:fld id="{90D1B3D8-E77F-455E-B5A5-7C98165B6363}" type="slidenum">
-              <a:rPr lang="zh-TW" altLang="en-US" smtClean="0"/>
-              <a:pPr/>
-              <a:t>3</a:t>
-            </a:fld>
-            <a:endParaRPr lang="zh-TW" altLang="en-US"/>
-          </a:p>
-        </p:txBody>
-      </p:sp>
-    </p:spTree>
-  </p:cSld>
-  <p:clrMapOvr>
-    <a:masterClrMapping/>
-  </p:clrMapOvr>
-</p:notes>
-</file>
-
-<file path=ppt/notesSlides/notesSlide4.xml><?xml version="1.0" encoding="utf-8"?>
-<p:notes xmlns:a="http://schemas.openxmlformats.org/drawingml/2006/main" xmlns:r="http://schemas.openxmlformats.org/officeDocument/2006/relationships" xmlns:p="http://schemas.openxmlformats.org/presentationml/2006/main">
-  <p:cSld>
-    <p:spTree>
-      <p:nvGrpSpPr>
-        <p:cNvPr id="1" name=""/>
-        <p:cNvGrpSpPr/>
-        <p:nvPr/>
-      </p:nvGrpSpPr>
-      <p:grpSpPr>
-        <a:xfrm>
-          <a:off x="0" y="0"/>
-          <a:ext cx="0" cy="0"/>
-          <a:chOff x="0" y="0"/>
-          <a:chExt cx="0" cy="0"/>
-        </a:xfrm>
-      </p:grpSpPr>
-      <p:sp>
-        <p:nvSpPr>
-          <p:cNvPr id="2" name="投影片圖像版面配置區 1"/>
-          <p:cNvSpPr>
-            <a:spLocks noGrp="1" noRot="1" noChangeAspect="1"/>
-          </p:cNvSpPr>
-          <p:nvPr>
-            <p:ph type="sldImg"/>
-          </p:nvPr>
-        </p:nvSpPr>
-        <p:spPr/>
-      </p:sp>
-      <p:sp>
-        <p:nvSpPr>
-          <p:cNvPr id="3" name="備忘稿版面配置區 2"/>
-          <p:cNvSpPr>
-            <a:spLocks noGrp="1"/>
-          </p:cNvSpPr>
-          <p:nvPr>
-            <p:ph type="body" idx="1"/>
-          </p:nvPr>
-        </p:nvSpPr>
-        <p:spPr/>
-        <p:txBody>
-          <a:bodyPr>
-            <a:normAutofit/>
-          </a:bodyPr>
-          <a:lstStyle/>
-          <a:p>
-            <a:endParaRPr lang="zh-TW" altLang="en-US" dirty="0"/>
-          </a:p>
-        </p:txBody>
-      </p:sp>
-      <p:sp>
-        <p:nvSpPr>
-          <p:cNvPr id="4" name="投影片編號版面配置區 3"/>
-          <p:cNvSpPr>
-            <a:spLocks noGrp="1"/>
-          </p:cNvSpPr>
-          <p:nvPr>
-            <p:ph type="sldNum" sz="quarter" idx="10"/>
-          </p:nvPr>
-        </p:nvSpPr>
-        <p:spPr/>
-        <p:txBody>
-          <a:bodyPr/>
-          <a:lstStyle/>
-          <a:p>
-            <a:fld id="{90D1B3D8-E77F-455E-B5A5-7C98165B6363}" type="slidenum">
-              <a:rPr lang="zh-TW" altLang="en-US" smtClean="0"/>
-              <a:pPr/>
-              <a:t>4</a:t>
-            </a:fld>
-            <a:endParaRPr lang="zh-TW" altLang="en-US"/>
-          </a:p>
-        </p:txBody>
-      </p:sp>
-    </p:spTree>
-  </p:cSld>
-  <p:clrMapOvr>
-    <a:masterClrMapping/>
-  </p:clrMapOvr>
-</p:notes>
-</file>
-
-<file path=ppt/notesSlides/notesSlide5.xml><?xml version="1.0" encoding="utf-8"?>
-<p:notes xmlns:a="http://schemas.openxmlformats.org/drawingml/2006/main" xmlns:r="http://schemas.openxmlformats.org/officeDocument/2006/relationships" xmlns:p="http://schemas.openxmlformats.org/presentationml/2006/main">
-  <p:cSld>
-    <p:spTree>
-      <p:nvGrpSpPr>
-        <p:cNvPr id="1" name=""/>
-        <p:cNvGrpSpPr/>
-        <p:nvPr/>
-      </p:nvGrpSpPr>
-      <p:grpSpPr>
-        <a:xfrm>
-          <a:off x="0" y="0"/>
-          <a:ext cx="0" cy="0"/>
-          <a:chOff x="0" y="0"/>
-          <a:chExt cx="0" cy="0"/>
-        </a:xfrm>
-      </p:grpSpPr>
-      <p:sp>
-        <p:nvSpPr>
-          <p:cNvPr id="2" name="投影片圖像版面配置區 1"/>
-          <p:cNvSpPr>
-            <a:spLocks noGrp="1" noRot="1" noChangeAspect="1"/>
-          </p:cNvSpPr>
-          <p:nvPr>
-            <p:ph type="sldImg"/>
-          </p:nvPr>
-        </p:nvSpPr>
-        <p:spPr/>
-      </p:sp>
-      <p:sp>
-        <p:nvSpPr>
-          <p:cNvPr id="3" name="備忘稿版面配置區 2"/>
-          <p:cNvSpPr>
-            <a:spLocks noGrp="1"/>
-          </p:cNvSpPr>
-          <p:nvPr>
-            <p:ph type="body" idx="1"/>
-          </p:nvPr>
-        </p:nvSpPr>
-        <p:spPr/>
-        <p:txBody>
-          <a:bodyPr>
-            <a:normAutofit/>
-          </a:bodyPr>
-          <a:lstStyle/>
-          <a:p>
-            <a:endParaRPr lang="zh-TW" altLang="en-US" dirty="0"/>
-          </a:p>
-        </p:txBody>
-      </p:sp>
-      <p:sp>
-        <p:nvSpPr>
-          <p:cNvPr id="4" name="投影片編號版面配置區 3"/>
-          <p:cNvSpPr>
-            <a:spLocks noGrp="1"/>
-          </p:cNvSpPr>
-          <p:nvPr>
-            <p:ph type="sldNum" sz="quarter" idx="10"/>
-          </p:nvPr>
-        </p:nvSpPr>
-        <p:spPr/>
-        <p:txBody>
-          <a:bodyPr/>
-          <a:lstStyle/>
-          <a:p>
-            <a:fld id="{90D1B3D8-E77F-455E-B5A5-7C98165B6363}" type="slidenum">
-              <a:rPr lang="zh-TW" altLang="en-US" smtClean="0"/>
-              <a:pPr/>
-              <a:t>5</a:t>
-            </a:fld>
-            <a:endParaRPr lang="zh-TW" altLang="en-US"/>
-          </a:p>
-        </p:txBody>
-      </p:sp>
-    </p:spTree>
-  </p:cSld>
-  <p:clrMapOvr>
-    <a:masterClrMapping/>
-  </p:clrMapOvr>
-</p:notes>
-</file>
-
 <file path=ppt/slideLayouts/slideLayout1.xml><?xml version="1.0" encoding="utf-8"?>
 <p:sldLayout xmlns:a="http://schemas.openxmlformats.org/drawingml/2006/main" xmlns:r="http://schemas.openxmlformats.org/officeDocument/2006/relationships" xmlns:p="http://schemas.openxmlformats.org/presentationml/2006/main" type="title" preserve="1">
   <p:cSld name="標題投影片">
@@ -902,8 +511,8 @@
         </p:nvSpPr>
         <p:spPr>
           <a:xfrm>
-            <a:off x="685800" y="2130425"/>
-            <a:ext cx="7772400" cy="1470025"/>
+            <a:off x="914400" y="2130426"/>
+            <a:ext cx="10363200" cy="1470025"/>
           </a:xfrm>
         </p:spPr>
         <p:txBody>
@@ -930,8 +539,8 @@
         </p:nvSpPr>
         <p:spPr>
           <a:xfrm>
-            <a:off x="1371600" y="3886200"/>
-            <a:ext cx="6400800" cy="1752600"/>
+            <a:off x="1828800" y="3886200"/>
+            <a:ext cx="8534400" cy="1752600"/>
           </a:xfrm>
         </p:spPr>
         <p:txBody>
@@ -1055,7 +664,7 @@
             <a:fld id="{EB138149-9DB9-4E1D-80A0-D42E00719590}" type="datetimeFigureOut">
               <a:rPr lang="zh-TW" altLang="en-US" smtClean="0"/>
               <a:pPr/>
-              <a:t>2017/10/18</a:t>
+              <a:t>2022/9/24</a:t>
             </a:fld>
             <a:endParaRPr lang="zh-TW" altLang="en-US"/>
           </a:p>
@@ -1222,7 +831,7 @@
             <a:fld id="{EB138149-9DB9-4E1D-80A0-D42E00719590}" type="datetimeFigureOut">
               <a:rPr lang="zh-TW" altLang="en-US" smtClean="0"/>
               <a:pPr/>
-              <a:t>2017/10/18</a:t>
+              <a:t>2022/9/24</a:t>
             </a:fld>
             <a:endParaRPr lang="zh-TW" altLang="en-US"/>
           </a:p>
@@ -1308,8 +917,8 @@
         </p:nvSpPr>
         <p:spPr>
           <a:xfrm>
-            <a:off x="6629400" y="274638"/>
-            <a:ext cx="2057400" cy="5851525"/>
+            <a:off x="8839200" y="274639"/>
+            <a:ext cx="2743200" cy="5851525"/>
           </a:xfrm>
         </p:spPr>
         <p:txBody>
@@ -1336,8 +945,8 @@
         </p:nvSpPr>
         <p:spPr>
           <a:xfrm>
-            <a:off x="457200" y="274638"/>
-            <a:ext cx="6019800" cy="5851525"/>
+            <a:off x="609600" y="274639"/>
+            <a:ext cx="8026400" cy="5851525"/>
           </a:xfrm>
         </p:spPr>
         <p:txBody>
@@ -1399,7 +1008,7 @@
             <a:fld id="{EB138149-9DB9-4E1D-80A0-D42E00719590}" type="datetimeFigureOut">
               <a:rPr lang="zh-TW" altLang="en-US" smtClean="0"/>
               <a:pPr/>
-              <a:t>2017/10/18</a:t>
+              <a:t>2022/9/24</a:t>
             </a:fld>
             <a:endParaRPr lang="zh-TW" altLang="en-US"/>
           </a:p>
@@ -1566,7 +1175,7 @@
             <a:fld id="{EB138149-9DB9-4E1D-80A0-D42E00719590}" type="datetimeFigureOut">
               <a:rPr lang="zh-TW" altLang="en-US" smtClean="0"/>
               <a:pPr/>
-              <a:t>2017/10/18</a:t>
+              <a:t>2022/9/24</a:t>
             </a:fld>
             <a:endParaRPr lang="zh-TW" altLang="en-US"/>
           </a:p>
@@ -1652,8 +1261,8 @@
         </p:nvSpPr>
         <p:spPr>
           <a:xfrm>
-            <a:off x="722313" y="4406900"/>
-            <a:ext cx="7772400" cy="1362075"/>
+            <a:off x="963084" y="4406901"/>
+            <a:ext cx="10363200" cy="1362075"/>
           </a:xfrm>
         </p:spPr>
         <p:txBody>
@@ -1684,8 +1293,8 @@
         </p:nvSpPr>
         <p:spPr>
           <a:xfrm>
-            <a:off x="722313" y="2906713"/>
-            <a:ext cx="7772400" cy="1500187"/>
+            <a:off x="963084" y="2906713"/>
+            <a:ext cx="10363200" cy="1500187"/>
           </a:xfrm>
         </p:spPr>
         <p:txBody>
@@ -1809,7 +1418,7 @@
             <a:fld id="{EB138149-9DB9-4E1D-80A0-D42E00719590}" type="datetimeFigureOut">
               <a:rPr lang="zh-TW" altLang="en-US" smtClean="0"/>
               <a:pPr/>
-              <a:t>2017/10/18</a:t>
+              <a:t>2022/9/24</a:t>
             </a:fld>
             <a:endParaRPr lang="zh-TW" altLang="en-US"/>
           </a:p>
@@ -1918,8 +1527,8 @@
         </p:nvSpPr>
         <p:spPr>
           <a:xfrm>
-            <a:off x="457200" y="1600200"/>
-            <a:ext cx="4038600" cy="4525963"/>
+            <a:off x="609600" y="1600201"/>
+            <a:ext cx="5384800" cy="4525963"/>
           </a:xfrm>
         </p:spPr>
         <p:txBody>
@@ -2003,8 +1612,8 @@
         </p:nvSpPr>
         <p:spPr>
           <a:xfrm>
-            <a:off x="4648200" y="1600200"/>
-            <a:ext cx="4038600" cy="4525963"/>
+            <a:off x="6197600" y="1600201"/>
+            <a:ext cx="5384800" cy="4525963"/>
           </a:xfrm>
         </p:spPr>
         <p:txBody>
@@ -2094,7 +1703,7 @@
             <a:fld id="{EB138149-9DB9-4E1D-80A0-D42E00719590}" type="datetimeFigureOut">
               <a:rPr lang="zh-TW" altLang="en-US" smtClean="0"/>
               <a:pPr/>
-              <a:t>2017/10/18</a:t>
+              <a:t>2022/9/24</a:t>
             </a:fld>
             <a:endParaRPr lang="zh-TW" altLang="en-US"/>
           </a:p>
@@ -2207,8 +1816,8 @@
         </p:nvSpPr>
         <p:spPr>
           <a:xfrm>
-            <a:off x="457200" y="1535113"/>
-            <a:ext cx="4040188" cy="639762"/>
+            <a:off x="609600" y="1535113"/>
+            <a:ext cx="5386917" cy="639762"/>
           </a:xfrm>
         </p:spPr>
         <p:txBody>
@@ -2272,8 +1881,8 @@
         </p:nvSpPr>
         <p:spPr>
           <a:xfrm>
-            <a:off x="457200" y="2174875"/>
-            <a:ext cx="4040188" cy="3951288"/>
+            <a:off x="609600" y="2174875"/>
+            <a:ext cx="5386917" cy="3951288"/>
           </a:xfrm>
         </p:spPr>
         <p:txBody>
@@ -2357,8 +1966,8 @@
         </p:nvSpPr>
         <p:spPr>
           <a:xfrm>
-            <a:off x="4645025" y="1535113"/>
-            <a:ext cx="4041775" cy="639762"/>
+            <a:off x="6193368" y="1535113"/>
+            <a:ext cx="5389033" cy="639762"/>
           </a:xfrm>
         </p:spPr>
         <p:txBody>
@@ -2422,8 +2031,8 @@
         </p:nvSpPr>
         <p:spPr>
           <a:xfrm>
-            <a:off x="4645025" y="2174875"/>
-            <a:ext cx="4041775" cy="3951288"/>
+            <a:off x="6193368" y="2174875"/>
+            <a:ext cx="5389033" cy="3951288"/>
           </a:xfrm>
         </p:spPr>
         <p:txBody>
@@ -2513,7 +2122,7 @@
             <a:fld id="{EB138149-9DB9-4E1D-80A0-D42E00719590}" type="datetimeFigureOut">
               <a:rPr lang="zh-TW" altLang="en-US" smtClean="0"/>
               <a:pPr/>
-              <a:t>2017/10/18</a:t>
+              <a:t>2022/9/24</a:t>
             </a:fld>
             <a:endParaRPr lang="zh-TW" altLang="en-US"/>
           </a:p>
@@ -2628,7 +2237,7 @@
             <a:fld id="{EB138149-9DB9-4E1D-80A0-D42E00719590}" type="datetimeFigureOut">
               <a:rPr lang="zh-TW" altLang="en-US" smtClean="0"/>
               <a:pPr/>
-              <a:t>2017/10/18</a:t>
+              <a:t>2022/9/24</a:t>
             </a:fld>
             <a:endParaRPr lang="zh-TW" altLang="en-US"/>
           </a:p>
@@ -2720,7 +2329,7 @@
             <a:fld id="{EB138149-9DB9-4E1D-80A0-D42E00719590}" type="datetimeFigureOut">
               <a:rPr lang="zh-TW" altLang="en-US" smtClean="0"/>
               <a:pPr/>
-              <a:t>2017/10/18</a:t>
+              <a:t>2022/9/24</a:t>
             </a:fld>
             <a:endParaRPr lang="zh-TW" altLang="en-US"/>
           </a:p>
@@ -2806,8 +2415,8 @@
         </p:nvSpPr>
         <p:spPr>
           <a:xfrm>
-            <a:off x="457200" y="273050"/>
-            <a:ext cx="3008313" cy="1162050"/>
+            <a:off x="609601" y="273050"/>
+            <a:ext cx="4011084" cy="1162050"/>
           </a:xfrm>
         </p:spPr>
         <p:txBody>
@@ -2838,8 +2447,8 @@
         </p:nvSpPr>
         <p:spPr>
           <a:xfrm>
-            <a:off x="3575050" y="273050"/>
-            <a:ext cx="5111750" cy="5853113"/>
+            <a:off x="4766733" y="273051"/>
+            <a:ext cx="6815667" cy="5853113"/>
           </a:xfrm>
         </p:spPr>
         <p:txBody>
@@ -2923,8 +2532,8 @@
         </p:nvSpPr>
         <p:spPr>
           <a:xfrm>
-            <a:off x="457200" y="1435100"/>
-            <a:ext cx="3008313" cy="4691063"/>
+            <a:off x="609601" y="1435101"/>
+            <a:ext cx="4011084" cy="4691063"/>
           </a:xfrm>
         </p:spPr>
         <p:txBody>
@@ -2994,7 +2603,7 @@
             <a:fld id="{EB138149-9DB9-4E1D-80A0-D42E00719590}" type="datetimeFigureOut">
               <a:rPr lang="zh-TW" altLang="en-US" smtClean="0"/>
               <a:pPr/>
-              <a:t>2017/10/18</a:t>
+              <a:t>2022/9/24</a:t>
             </a:fld>
             <a:endParaRPr lang="zh-TW" altLang="en-US"/>
           </a:p>
@@ -3080,8 +2689,8 @@
         </p:nvSpPr>
         <p:spPr>
           <a:xfrm>
-            <a:off x="1792288" y="4800600"/>
-            <a:ext cx="5486400" cy="566738"/>
+            <a:off x="2389717" y="4800600"/>
+            <a:ext cx="7315200" cy="566738"/>
           </a:xfrm>
         </p:spPr>
         <p:txBody>
@@ -3112,8 +2721,8 @@
         </p:nvSpPr>
         <p:spPr>
           <a:xfrm>
-            <a:off x="1792288" y="612775"/>
-            <a:ext cx="5486400" cy="4114800"/>
+            <a:off x="2389717" y="612775"/>
+            <a:ext cx="7315200" cy="4114800"/>
           </a:xfrm>
         </p:spPr>
         <p:txBody>
@@ -3177,8 +2786,8 @@
         </p:nvSpPr>
         <p:spPr>
           <a:xfrm>
-            <a:off x="1792288" y="5367338"/>
-            <a:ext cx="5486400" cy="804862"/>
+            <a:off x="2389717" y="5367338"/>
+            <a:ext cx="7315200" cy="804862"/>
           </a:xfrm>
         </p:spPr>
         <p:txBody>
@@ -3248,7 +2857,7 @@
             <a:fld id="{EB138149-9DB9-4E1D-80A0-D42E00719590}" type="datetimeFigureOut">
               <a:rPr lang="zh-TW" altLang="en-US" smtClean="0"/>
               <a:pPr/>
-              <a:t>2017/10/18</a:t>
+              <a:t>2022/9/24</a:t>
             </a:fld>
             <a:endParaRPr lang="zh-TW" altLang="en-US"/>
           </a:p>
@@ -3344,8 +2953,8 @@
         </p:nvSpPr>
         <p:spPr>
           <a:xfrm>
-            <a:off x="457200" y="274638"/>
-            <a:ext cx="8229600" cy="1143000"/>
+            <a:off x="609600" y="274638"/>
+            <a:ext cx="10972800" cy="1143000"/>
           </a:xfrm>
           <a:prstGeom prst="rect">
             <a:avLst/>
@@ -3377,8 +2986,8 @@
         </p:nvSpPr>
         <p:spPr>
           <a:xfrm>
-            <a:off x="457200" y="1600200"/>
-            <a:ext cx="8229600" cy="4525963"/>
+            <a:off x="609600" y="1600201"/>
+            <a:ext cx="10972800" cy="4525963"/>
           </a:xfrm>
           <a:prstGeom prst="rect">
             <a:avLst/>
@@ -3439,8 +3048,8 @@
         </p:nvSpPr>
         <p:spPr>
           <a:xfrm>
-            <a:off x="457200" y="6356350"/>
-            <a:ext cx="2133600" cy="365125"/>
+            <a:off x="609600" y="6356351"/>
+            <a:ext cx="2844800" cy="365125"/>
           </a:xfrm>
           <a:prstGeom prst="rect">
             <a:avLst/>
@@ -3463,7 +3072,7 @@
             <a:fld id="{EB138149-9DB9-4E1D-80A0-D42E00719590}" type="datetimeFigureOut">
               <a:rPr lang="zh-TW" altLang="en-US" smtClean="0"/>
               <a:pPr/>
-              <a:t>2017/10/18</a:t>
+              <a:t>2022/9/24</a:t>
             </a:fld>
             <a:endParaRPr lang="zh-TW" altLang="en-US"/>
           </a:p>
@@ -3481,8 +3090,8 @@
         </p:nvSpPr>
         <p:spPr>
           <a:xfrm>
-            <a:off x="3124200" y="6356350"/>
-            <a:ext cx="2895600" cy="365125"/>
+            <a:off x="4165600" y="6356351"/>
+            <a:ext cx="3860800" cy="365125"/>
           </a:xfrm>
           <a:prstGeom prst="rect">
             <a:avLst/>
@@ -3518,8 +3127,8 @@
         </p:nvSpPr>
         <p:spPr>
           <a:xfrm>
-            <a:off x="6553200" y="6356350"/>
-            <a:ext cx="2133600" cy="365125"/>
+            <a:off x="8737600" y="6356351"/>
+            <a:ext cx="2844800" cy="365125"/>
           </a:xfrm>
           <a:prstGeom prst="rect">
             <a:avLst/>
@@ -3845,214 +3454,64 @@
           </p:nvPr>
         </p:nvSpPr>
         <p:spPr>
-          <a:noFill/>
+          <a:xfrm>
+            <a:off x="0" y="2660915"/>
+            <a:ext cx="12192000" cy="1143000"/>
+          </a:xfrm>
         </p:spPr>
         <p:txBody>
           <a:bodyPr>
-            <a:normAutofit/>
+            <a:noAutofit/>
           </a:bodyPr>
           <a:lstStyle/>
           <a:p>
             <a:r>
-              <a:rPr lang="zh-TW" altLang="en-US" b="1" dirty="0">
+              <a:rPr lang="zh-TW" altLang="en-US" sz="7200" b="1" i="1" dirty="0">
                 <a:solidFill>
                   <a:srgbClr val="000066"/>
                 </a:solidFill>
+                <a:effectLst>
+                  <a:outerShdw blurRad="38100" dist="38100" dir="2700000" algn="tl">
+                    <a:srgbClr val="000000">
+                      <a:alpha val="43137"/>
+                    </a:srgbClr>
+                  </a:outerShdw>
+                </a:effectLst>
                 <a:latin typeface="微軟正黑體" pitchFamily="34" charset="-120"/>
                 <a:ea typeface="微軟正黑體" pitchFamily="34" charset="-120"/>
               </a:rPr>
-              <a:t>陪我走</a:t>
-            </a:r>
-            <a:r>
-              <a:rPr lang="zh-TW" altLang="en-US" b="1" dirty="0" smtClean="0">
+              <a:t>陪</a:t>
+            </a:r>
+            <a:r>
+              <a:rPr lang="zh-TW" altLang="en-US" sz="7200" b="1" i="1" dirty="0">
                 <a:solidFill>
                   <a:srgbClr val="000066"/>
                 </a:solidFill>
+                <a:effectLst>
+                  <a:outerShdw blurRad="38100" dist="38100" dir="2700000" algn="tl">
+                    <a:srgbClr val="000000">
+                      <a:alpha val="43137"/>
+                    </a:srgbClr>
+                  </a:outerShdw>
+                </a:effectLst>
                 <a:latin typeface="微軟正黑體" pitchFamily="34" charset="-120"/>
                 <a:ea typeface="微軟正黑體" pitchFamily="34" charset="-120"/>
               </a:rPr>
-              <a:t>過春夏秋冬</a:t>
-            </a:r>
-            <a:endParaRPr lang="zh-TW" altLang="en-US" b="1" dirty="0">
-              <a:solidFill>
-                <a:srgbClr val="000066"/>
-              </a:solidFill>
-              <a:latin typeface="微軟正黑體" pitchFamily="34" charset="-120"/>
-              <a:ea typeface="微軟正黑體" pitchFamily="34" charset="-120"/>
-            </a:endParaRPr>
-          </a:p>
-        </p:txBody>
-      </p:sp>
-      <p:sp>
-        <p:nvSpPr>
-          <p:cNvPr id="5" name="內容版面配置區 4"/>
-          <p:cNvSpPr>
-            <a:spLocks noGrp="1"/>
-          </p:cNvSpPr>
-          <p:nvPr>
-            <p:ph idx="1"/>
-          </p:nvPr>
-        </p:nvSpPr>
-        <p:spPr>
-          <a:noFill/>
-        </p:spPr>
-        <p:txBody>
-          <a:bodyPr>
-            <a:normAutofit/>
-          </a:bodyPr>
-          <a:lstStyle/>
-          <a:p>
-            <a:pPr algn="ctr">
-              <a:buNone/>
-            </a:pPr>
-            <a:r>
-              <a:rPr lang="zh-TW" altLang="en-US" sz="5400" b="1" dirty="0">
-                <a:solidFill>
-                  <a:srgbClr val="000066"/>
-                </a:solidFill>
-                <a:latin typeface="微軟正黑體" pitchFamily="34" charset="-120"/>
-                <a:ea typeface="微軟正黑體" pitchFamily="34" charset="-120"/>
-              </a:rPr>
-              <a:t>風風雨雨的</a:t>
-            </a:r>
-            <a:r>
-              <a:rPr lang="zh-TW" altLang="en-US" sz="5400" b="1" dirty="0" smtClean="0">
-                <a:solidFill>
-                  <a:srgbClr val="000066"/>
-                </a:solidFill>
-                <a:latin typeface="微軟正黑體" pitchFamily="34" charset="-120"/>
-                <a:ea typeface="微軟正黑體" pitchFamily="34" charset="-120"/>
-              </a:rPr>
-              <a:t>時候</a:t>
-            </a:r>
-            <a:endParaRPr lang="en-US" altLang="zh-TW" sz="5400" b="1" dirty="0" smtClean="0">
-              <a:solidFill>
-                <a:srgbClr val="000066"/>
-              </a:solidFill>
-              <a:latin typeface="微軟正黑體" pitchFamily="34" charset="-120"/>
-              <a:ea typeface="微軟正黑體" pitchFamily="34" charset="-120"/>
-            </a:endParaRPr>
-          </a:p>
-          <a:p>
-            <a:pPr algn="ctr">
-              <a:buNone/>
-            </a:pPr>
-            <a:r>
-              <a:rPr lang="zh-TW" altLang="en-US" sz="5400" b="1" dirty="0" smtClean="0">
-                <a:solidFill>
-                  <a:srgbClr val="000066"/>
-                </a:solidFill>
-                <a:latin typeface="微軟正黑體" pitchFamily="34" charset="-120"/>
-                <a:ea typeface="微軟正黑體" pitchFamily="34" charset="-120"/>
-              </a:rPr>
-              <a:t>才</a:t>
-            </a:r>
-            <a:r>
-              <a:rPr lang="zh-TW" altLang="en-US" sz="5400" b="1" dirty="0">
-                <a:solidFill>
-                  <a:srgbClr val="000066"/>
-                </a:solidFill>
-                <a:latin typeface="微軟正黑體" pitchFamily="34" charset="-120"/>
-                <a:ea typeface="微軟正黑體" pitchFamily="34" charset="-120"/>
-              </a:rPr>
-              <a:t>知道祢的溫柔 </a:t>
-            </a:r>
-            <a:endParaRPr lang="en-US" altLang="zh-TW" sz="5400" b="1" dirty="0">
-              <a:solidFill>
-                <a:srgbClr val="000066"/>
-              </a:solidFill>
-              <a:latin typeface="微軟正黑體" pitchFamily="34" charset="-120"/>
-              <a:ea typeface="微軟正黑體" pitchFamily="34" charset="-120"/>
-            </a:endParaRPr>
-          </a:p>
-          <a:p>
-            <a:pPr algn="ctr">
-              <a:buNone/>
-            </a:pPr>
-            <a:r>
-              <a:rPr lang="zh-TW" altLang="en-US" sz="5400" b="1" dirty="0" smtClean="0">
-                <a:solidFill>
-                  <a:srgbClr val="000066"/>
-                </a:solidFill>
-                <a:latin typeface="微軟正黑體" pitchFamily="34" charset="-120"/>
-                <a:ea typeface="微軟正黑體" pitchFamily="34" charset="-120"/>
-              </a:rPr>
-              <a:t>多</a:t>
-            </a:r>
-            <a:r>
-              <a:rPr lang="zh-TW" altLang="en-US" sz="5400" b="1" dirty="0">
-                <a:solidFill>
-                  <a:srgbClr val="000066"/>
-                </a:solidFill>
-                <a:latin typeface="微軟正黑體" pitchFamily="34" charset="-120"/>
-                <a:ea typeface="微軟正黑體" pitchFamily="34" charset="-120"/>
-              </a:rPr>
-              <a:t>年前 幾年</a:t>
-            </a:r>
-            <a:r>
-              <a:rPr lang="zh-TW" altLang="en-US" sz="5400" b="1" dirty="0" smtClean="0">
-                <a:solidFill>
-                  <a:srgbClr val="000066"/>
-                </a:solidFill>
-                <a:latin typeface="微軟正黑體" pitchFamily="34" charset="-120"/>
-                <a:ea typeface="微軟正黑體" pitchFamily="34" charset="-120"/>
-              </a:rPr>
-              <a:t>後</a:t>
-            </a:r>
-            <a:endParaRPr lang="en-US" altLang="zh-TW" sz="5400" b="1" dirty="0" smtClean="0">
-              <a:solidFill>
-                <a:srgbClr val="000066"/>
-              </a:solidFill>
-              <a:latin typeface="微軟正黑體" pitchFamily="34" charset="-120"/>
-              <a:ea typeface="微軟正黑體" pitchFamily="34" charset="-120"/>
-            </a:endParaRPr>
-          </a:p>
-          <a:p>
-            <a:pPr algn="ctr">
-              <a:buNone/>
-            </a:pPr>
-            <a:r>
-              <a:rPr lang="zh-TW" altLang="en-US" sz="5400" b="1" dirty="0" smtClean="0">
-                <a:solidFill>
-                  <a:srgbClr val="000066"/>
-                </a:solidFill>
-                <a:latin typeface="微軟正黑體" pitchFamily="34" charset="-120"/>
-                <a:ea typeface="微軟正黑體" pitchFamily="34" charset="-120"/>
-              </a:rPr>
-              <a:t>仍然</a:t>
-            </a:r>
-            <a:r>
-              <a:rPr lang="zh-TW" altLang="en-US" sz="5400" b="1" dirty="0">
-                <a:solidFill>
-                  <a:srgbClr val="000066"/>
-                </a:solidFill>
-                <a:latin typeface="微軟正黑體" pitchFamily="34" charset="-120"/>
-                <a:ea typeface="微軟正黑體" pitchFamily="34" charset="-120"/>
-              </a:rPr>
-              <a:t>相信祢恩手 </a:t>
-            </a:r>
-            <a:endParaRPr lang="en-US" altLang="zh-TW" sz="5400" b="1" dirty="0">
-              <a:solidFill>
-                <a:srgbClr val="000066"/>
-              </a:solidFill>
-              <a:latin typeface="微軟正黑體" pitchFamily="34" charset="-120"/>
-              <a:ea typeface="微軟正黑體" pitchFamily="34" charset="-120"/>
-            </a:endParaRPr>
+              <a:t>我走過春夏秋冬</a:t>
+            </a:r>
           </a:p>
         </p:txBody>
       </p:sp>
     </p:spTree>
+    <p:extLst>
+      <p:ext uri="{BB962C8B-B14F-4D97-AF65-F5344CB8AC3E}">
+        <p14:creationId xmlns:p14="http://schemas.microsoft.com/office/powerpoint/2010/main" val="866467293"/>
+      </p:ext>
+    </p:extLst>
   </p:cSld>
   <p:clrMapOvr>
     <a:masterClrMapping/>
   </p:clrMapOvr>
-  <p:timing>
-    <p:tnLst>
-      <p:par>
-        <p:cTn id="1" dur="indefinite" restart="never" nodeType="tmRoot"/>
-      </p:par>
-    </p:tnLst>
-  </p:timing>
 </p:sld>
 </file>
 
@@ -4075,44 +3534,40 @@
       </p:grpSpPr>
       <p:sp>
         <p:nvSpPr>
-          <p:cNvPr id="4" name="標題 3"/>
-          <p:cNvSpPr>
-            <a:spLocks noGrp="1"/>
-          </p:cNvSpPr>
-          <p:nvPr>
-            <p:ph type="title"/>
+          <p:cNvPr id="5" name="內容版面配置區 4"/>
+          <p:cNvSpPr>
+            <a:spLocks noGrp="1"/>
+          </p:cNvSpPr>
+          <p:nvPr>
+            <p:ph idx="1"/>
           </p:nvPr>
         </p:nvSpPr>
         <p:spPr>
-          <a:noFill/>
+          <a:xfrm>
+            <a:off x="0" y="2084851"/>
+            <a:ext cx="12192000" cy="2404863"/>
+          </a:xfrm>
         </p:spPr>
         <p:txBody>
-          <a:bodyPr>
+          <a:bodyPr anchor="ctr">
             <a:normAutofit/>
           </a:bodyPr>
           <a:lstStyle/>
           <a:p>
-            <a:r>
-              <a:rPr lang="zh-TW" altLang="en-US" b="1" dirty="0">
+            <a:pPr algn="ctr">
+              <a:buNone/>
+            </a:pPr>
+            <a:r>
+              <a:rPr lang="zh-TW" altLang="en-US" sz="6400" b="1" dirty="0">
                 <a:solidFill>
                   <a:srgbClr val="000066"/>
                 </a:solidFill>
                 <a:latin typeface="微軟正黑體" pitchFamily="34" charset="-120"/>
                 <a:ea typeface="微軟正黑體" pitchFamily="34" charset="-120"/>
               </a:rPr>
-              <a:t>陪我走</a:t>
-            </a:r>
-            <a:r>
-              <a:rPr lang="zh-TW" altLang="en-US" b="1" dirty="0" smtClean="0">
-                <a:solidFill>
-                  <a:srgbClr val="000066"/>
-                </a:solidFill>
-                <a:latin typeface="微軟正黑體" pitchFamily="34" charset="-120"/>
-                <a:ea typeface="微軟正黑體" pitchFamily="34" charset="-120"/>
-              </a:rPr>
-              <a:t>過春夏秋冬</a:t>
-            </a:r>
-            <a:endParaRPr lang="zh-TW" altLang="en-US" b="1" dirty="0">
+              <a:t>風風雨雨的時候</a:t>
+            </a:r>
+            <a:endParaRPr lang="en-US" altLang="zh-TW" sz="6400" b="1" dirty="0">
               <a:solidFill>
                 <a:srgbClr val="000066"/>
               </a:solidFill>
@@ -4120,41 +3575,21 @@
               <a:ea typeface="微軟正黑體" pitchFamily="34" charset="-120"/>
             </a:endParaRPr>
           </a:p>
-        </p:txBody>
-      </p:sp>
-      <p:sp>
-        <p:nvSpPr>
-          <p:cNvPr id="5" name="內容版面配置區 4"/>
-          <p:cNvSpPr>
-            <a:spLocks noGrp="1"/>
-          </p:cNvSpPr>
-          <p:nvPr>
-            <p:ph idx="1"/>
-          </p:nvPr>
-        </p:nvSpPr>
-        <p:spPr>
-          <a:noFill/>
-        </p:spPr>
-        <p:txBody>
-          <a:bodyPr>
-            <a:normAutofit/>
-          </a:bodyPr>
-          <a:lstStyle/>
           <a:p>
             <a:pPr algn="ctr">
               <a:buNone/>
             </a:pPr>
             <a:r>
-              <a:rPr lang="zh-TW" altLang="en-US" sz="5400" b="1" dirty="0" smtClean="0">
+              <a:rPr lang="zh-TW" altLang="en-US" sz="6400" b="1" dirty="0">
                 <a:solidFill>
                   <a:srgbClr val="000066"/>
                 </a:solidFill>
                 <a:latin typeface="微軟正黑體" pitchFamily="34" charset="-120"/>
                 <a:ea typeface="微軟正黑體" pitchFamily="34" charset="-120"/>
               </a:rPr>
-              <a:t>一年年的長大</a:t>
-            </a:r>
-            <a:endParaRPr lang="en-US" altLang="zh-TW" sz="5400" b="1" dirty="0" smtClean="0">
+              <a:t>才知道祢的溫柔</a:t>
+            </a:r>
+            <a:endParaRPr lang="en-US" altLang="zh-TW" sz="6400" b="1" dirty="0">
               <a:solidFill>
                 <a:srgbClr val="000066"/>
               </a:solidFill>
@@ -4162,86 +3597,80 @@
               <a:ea typeface="微軟正黑體" pitchFamily="34" charset="-120"/>
             </a:endParaRPr>
           </a:p>
-          <a:p>
-            <a:pPr algn="ctr">
-              <a:buNone/>
-            </a:pPr>
-            <a:r>
-              <a:rPr lang="zh-TW" altLang="en-US" sz="5400" b="1" dirty="0" smtClean="0">
+        </p:txBody>
+      </p:sp>
+      <p:sp>
+        <p:nvSpPr>
+          <p:cNvPr id="3" name="TextBox 2"/>
+          <p:cNvSpPr txBox="1"/>
+          <p:nvPr/>
+        </p:nvSpPr>
+        <p:spPr>
+          <a:xfrm>
+            <a:off x="0" y="5157192"/>
+            <a:ext cx="12192000" cy="748988"/>
+          </a:xfrm>
+          <a:prstGeom prst="rect">
+            <a:avLst/>
+          </a:prstGeom>
+          <a:noFill/>
+        </p:spPr>
+        <p:txBody>
+          <a:bodyPr wrap="square" rtlCol="0">
+            <a:spAutoFit/>
+          </a:bodyPr>
+          <a:lstStyle/>
+          <a:p>
+            <a:pPr algn="ctr"/>
+            <a:r>
+              <a:rPr lang="en-US" sz="4267" b="1" dirty="0">
                 <a:solidFill>
                   <a:srgbClr val="000066"/>
                 </a:solidFill>
-                <a:latin typeface="微軟正黑體" pitchFamily="34" charset="-120"/>
-                <a:ea typeface="微軟正黑體" pitchFamily="34" charset="-120"/>
+                <a:latin typeface="Microsoft JhengHei" panose="020B0604030504040204" pitchFamily="34" charset="-120"/>
+                <a:ea typeface="Microsoft JhengHei" panose="020B0604030504040204" pitchFamily="34" charset="-120"/>
               </a:rPr>
-              <a:t>一次次的切慕 </a:t>
-            </a:r>
-            <a:endParaRPr lang="en-US" altLang="zh-TW" sz="5400" b="1" dirty="0" smtClean="0">
+              <a:t>( </a:t>
+            </a:r>
+            <a:r>
+              <a:rPr lang="zh-CN" altLang="en-US" sz="4267" b="1" dirty="0">
+                <a:solidFill>
+                  <a:srgbClr val="000066"/>
+                </a:solidFill>
+                <a:latin typeface="Microsoft JhengHei" panose="020B0604030504040204" pitchFamily="34" charset="-120"/>
+                <a:ea typeface="Microsoft JhengHei" panose="020B0604030504040204" pitchFamily="34" charset="-120"/>
+              </a:rPr>
+              <a:t>正</a:t>
+            </a:r>
+            <a:r>
+              <a:rPr lang="en-US" sz="4267" b="1" dirty="0">
+                <a:solidFill>
+                  <a:srgbClr val="000066"/>
+                </a:solidFill>
+                <a:latin typeface="Microsoft JhengHei" panose="020B0604030504040204" pitchFamily="34" charset="-120"/>
+                <a:ea typeface="Microsoft JhengHei" panose="020B0604030504040204" pitchFamily="34" charset="-120"/>
+              </a:rPr>
+              <a:t> )</a:t>
+            </a:r>
+            <a:endParaRPr lang="vi-VN" sz="4267" b="1" dirty="0">
               <a:solidFill>
                 <a:srgbClr val="000066"/>
               </a:solidFill>
-              <a:latin typeface="微軟正黑體" pitchFamily="34" charset="-120"/>
-              <a:ea typeface="微軟正黑體" pitchFamily="34" charset="-120"/>
+              <a:ea typeface="Microsoft JhengHei" panose="020B0604030504040204" pitchFamily="34" charset="-120"/>
             </a:endParaRPr>
           </a:p>
-          <a:p>
-            <a:pPr algn="ctr">
-              <a:buNone/>
-            </a:pPr>
-            <a:r>
-              <a:rPr lang="zh-TW" altLang="en-US" sz="5400" b="1" dirty="0" smtClean="0">
-                <a:solidFill>
-                  <a:srgbClr val="000066"/>
-                </a:solidFill>
-                <a:latin typeface="微軟正黑體" pitchFamily="34" charset="-120"/>
-                <a:ea typeface="微軟正黑體" pitchFamily="34" charset="-120"/>
-              </a:rPr>
-              <a:t>祢都陪我 安慰我</a:t>
-            </a:r>
-            <a:endParaRPr lang="en-US" altLang="zh-TW" sz="5400" b="1" dirty="0" smtClean="0">
-              <a:solidFill>
-                <a:srgbClr val="000066"/>
-              </a:solidFill>
-              <a:latin typeface="微軟正黑體" pitchFamily="34" charset="-120"/>
-              <a:ea typeface="微軟正黑體" pitchFamily="34" charset="-120"/>
-            </a:endParaRPr>
-          </a:p>
-          <a:p>
-            <a:pPr algn="ctr">
-              <a:buNone/>
-            </a:pPr>
-            <a:r>
-              <a:rPr lang="zh-TW" altLang="en-US" sz="5400" b="1" dirty="0" smtClean="0">
-                <a:solidFill>
-                  <a:srgbClr val="000066"/>
-                </a:solidFill>
-                <a:latin typeface="微軟正黑體" pitchFamily="34" charset="-120"/>
-                <a:ea typeface="微軟正黑體" pitchFamily="34" charset="-120"/>
-              </a:rPr>
-              <a:t>憐憫我 </a:t>
-            </a:r>
-            <a:endParaRPr lang="en-US" altLang="zh-TW" sz="5400" b="1" dirty="0">
-              <a:solidFill>
-                <a:srgbClr val="000066"/>
-              </a:solidFill>
-              <a:latin typeface="微軟正黑體" pitchFamily="34" charset="-120"/>
-              <a:ea typeface="微軟正黑體" pitchFamily="34" charset="-120"/>
-            </a:endParaRPr>
-          </a:p>
         </p:txBody>
       </p:sp>
     </p:spTree>
+    <p:extLst>
+      <p:ext uri="{BB962C8B-B14F-4D97-AF65-F5344CB8AC3E}">
+        <p14:creationId xmlns:p14="http://schemas.microsoft.com/office/powerpoint/2010/main" val="3502379692"/>
+      </p:ext>
+    </p:extLst>
   </p:cSld>
   <p:clrMapOvr>
     <a:masterClrMapping/>
   </p:clrMapOvr>
-  <p:timing>
-    <p:tnLst>
-      <p:par>
-        <p:cTn id="1" dur="indefinite" restart="never" nodeType="tmRoot"/>
-      </p:par>
-    </p:tnLst>
-  </p:timing>
 </p:sld>
 </file>
 
@@ -4264,44 +3693,40 @@
       </p:grpSpPr>
       <p:sp>
         <p:nvSpPr>
-          <p:cNvPr id="4" name="標題 3"/>
-          <p:cNvSpPr>
-            <a:spLocks noGrp="1"/>
-          </p:cNvSpPr>
-          <p:nvPr>
-            <p:ph type="title"/>
+          <p:cNvPr id="5" name="內容版面配置區 4"/>
+          <p:cNvSpPr>
+            <a:spLocks noGrp="1"/>
+          </p:cNvSpPr>
+          <p:nvPr>
+            <p:ph idx="1"/>
           </p:nvPr>
         </p:nvSpPr>
         <p:spPr>
-          <a:noFill/>
+          <a:xfrm>
+            <a:off x="0" y="2084851"/>
+            <a:ext cx="12192000" cy="2404863"/>
+          </a:xfrm>
         </p:spPr>
         <p:txBody>
-          <a:bodyPr>
+          <a:bodyPr anchor="ctr">
             <a:normAutofit/>
           </a:bodyPr>
           <a:lstStyle/>
           <a:p>
-            <a:r>
-              <a:rPr lang="zh-TW" altLang="en-US" b="1" dirty="0">
+            <a:pPr algn="ctr">
+              <a:buNone/>
+            </a:pPr>
+            <a:r>
+              <a:rPr lang="zh-TW" altLang="en-US" sz="6400" b="1" dirty="0">
                 <a:solidFill>
                   <a:srgbClr val="000066"/>
                 </a:solidFill>
                 <a:latin typeface="微軟正黑體" pitchFamily="34" charset="-120"/>
                 <a:ea typeface="微軟正黑體" pitchFamily="34" charset="-120"/>
               </a:rPr>
-              <a:t>陪我走</a:t>
-            </a:r>
-            <a:r>
-              <a:rPr lang="zh-TW" altLang="en-US" b="1" dirty="0" smtClean="0">
-                <a:solidFill>
-                  <a:srgbClr val="000066"/>
-                </a:solidFill>
-                <a:latin typeface="微軟正黑體" pitchFamily="34" charset="-120"/>
-                <a:ea typeface="微軟正黑體" pitchFamily="34" charset="-120"/>
-              </a:rPr>
-              <a:t>過春夏秋冬</a:t>
-            </a:r>
-            <a:endParaRPr lang="zh-TW" altLang="en-US" b="1" dirty="0">
+              <a:t>多年前  幾年後</a:t>
+            </a:r>
+            <a:endParaRPr lang="en-US" altLang="zh-TW" sz="6400" b="1" dirty="0">
               <a:solidFill>
                 <a:srgbClr val="000066"/>
               </a:solidFill>
@@ -4309,45 +3734,21 @@
               <a:ea typeface="微軟正黑體" pitchFamily="34" charset="-120"/>
             </a:endParaRPr>
           </a:p>
-        </p:txBody>
-      </p:sp>
-      <p:sp>
-        <p:nvSpPr>
-          <p:cNvPr id="5" name="內容版面配置區 4"/>
-          <p:cNvSpPr>
-            <a:spLocks noGrp="1"/>
-          </p:cNvSpPr>
-          <p:nvPr>
-            <p:ph idx="1"/>
-          </p:nvPr>
-        </p:nvSpPr>
-        <p:spPr>
-          <a:xfrm>
-            <a:off x="0" y="1600200"/>
-            <a:ext cx="9144000" cy="4525963"/>
-          </a:xfrm>
-          <a:noFill/>
-        </p:spPr>
-        <p:txBody>
-          <a:bodyPr>
-            <a:normAutofit/>
-          </a:bodyPr>
-          <a:lstStyle/>
           <a:p>
             <a:pPr algn="ctr">
               <a:buNone/>
             </a:pPr>
             <a:r>
-              <a:rPr lang="zh-TW" altLang="en-US" sz="5400" b="1" dirty="0" smtClean="0">
+              <a:rPr lang="zh-TW" altLang="en-US" sz="6400" b="1" dirty="0">
                 <a:solidFill>
                   <a:srgbClr val="000066"/>
                 </a:solidFill>
                 <a:latin typeface="微軟正黑體" pitchFamily="34" charset="-120"/>
                 <a:ea typeface="微軟正黑體" pitchFamily="34" charset="-120"/>
               </a:rPr>
-              <a:t>祢說會陪我走過春夏秋冬 </a:t>
-            </a:r>
-            <a:endParaRPr lang="en-US" altLang="zh-TW" sz="5400" b="1" dirty="0" smtClean="0">
+              <a:t>仍然相信祢恩手</a:t>
+            </a:r>
+            <a:endParaRPr lang="en-US" altLang="zh-TW" sz="6400" b="1" dirty="0">
               <a:solidFill>
                 <a:srgbClr val="000066"/>
               </a:solidFill>
@@ -4355,86 +3756,80 @@
               <a:ea typeface="微軟正黑體" pitchFamily="34" charset="-120"/>
             </a:endParaRPr>
           </a:p>
-          <a:p>
-            <a:pPr algn="ctr">
-              <a:buNone/>
-            </a:pPr>
-            <a:r>
-              <a:rPr lang="zh-TW" altLang="en-US" sz="5400" b="1" dirty="0" smtClean="0">
+        </p:txBody>
+      </p:sp>
+      <p:sp>
+        <p:nvSpPr>
+          <p:cNvPr id="3" name="TextBox 2"/>
+          <p:cNvSpPr txBox="1"/>
+          <p:nvPr/>
+        </p:nvSpPr>
+        <p:spPr>
+          <a:xfrm>
+            <a:off x="0" y="5157192"/>
+            <a:ext cx="12192000" cy="748988"/>
+          </a:xfrm>
+          <a:prstGeom prst="rect">
+            <a:avLst/>
+          </a:prstGeom>
+          <a:noFill/>
+        </p:spPr>
+        <p:txBody>
+          <a:bodyPr wrap="square" rtlCol="0">
+            <a:spAutoFit/>
+          </a:bodyPr>
+          <a:lstStyle/>
+          <a:p>
+            <a:pPr algn="ctr"/>
+            <a:r>
+              <a:rPr lang="en-US" sz="4267" b="1" dirty="0">
                 <a:solidFill>
                   <a:srgbClr val="000066"/>
                 </a:solidFill>
-                <a:latin typeface="微軟正黑體" pitchFamily="34" charset="-120"/>
-                <a:ea typeface="微軟正黑體" pitchFamily="34" charset="-120"/>
+                <a:latin typeface="Microsoft JhengHei" panose="020B0604030504040204" pitchFamily="34" charset="-120"/>
+                <a:ea typeface="Microsoft JhengHei" panose="020B0604030504040204" pitchFamily="34" charset="-120"/>
               </a:rPr>
-              <a:t>疼我 引導我 保護我</a:t>
-            </a:r>
-            <a:endParaRPr lang="en-US" altLang="zh-TW" sz="5400" b="1" dirty="0" smtClean="0">
+              <a:t>( </a:t>
+            </a:r>
+            <a:r>
+              <a:rPr lang="zh-CN" altLang="en-US" sz="4267" b="1" dirty="0">
+                <a:solidFill>
+                  <a:srgbClr val="000066"/>
+                </a:solidFill>
+                <a:latin typeface="Microsoft JhengHei" panose="020B0604030504040204" pitchFamily="34" charset="-120"/>
+                <a:ea typeface="Microsoft JhengHei" panose="020B0604030504040204" pitchFamily="34" charset="-120"/>
+              </a:rPr>
+              <a:t>正</a:t>
+            </a:r>
+            <a:r>
+              <a:rPr lang="en-US" sz="4267" b="1" dirty="0">
+                <a:solidFill>
+                  <a:srgbClr val="000066"/>
+                </a:solidFill>
+                <a:latin typeface="Microsoft JhengHei" panose="020B0604030504040204" pitchFamily="34" charset="-120"/>
+                <a:ea typeface="Microsoft JhengHei" panose="020B0604030504040204" pitchFamily="34" charset="-120"/>
+              </a:rPr>
+              <a:t> )</a:t>
+            </a:r>
+            <a:endParaRPr lang="vi-VN" sz="4267" b="1" dirty="0">
               <a:solidFill>
                 <a:srgbClr val="000066"/>
               </a:solidFill>
-              <a:latin typeface="微軟正黑體" pitchFamily="34" charset="-120"/>
-              <a:ea typeface="微軟正黑體" pitchFamily="34" charset="-120"/>
+              <a:ea typeface="Microsoft JhengHei" panose="020B0604030504040204" pitchFamily="34" charset="-120"/>
             </a:endParaRPr>
           </a:p>
-          <a:p>
-            <a:pPr algn="ctr">
-              <a:buNone/>
-            </a:pPr>
-            <a:r>
-              <a:rPr lang="zh-TW" altLang="en-US" sz="5400" b="1" dirty="0" smtClean="0">
-                <a:solidFill>
-                  <a:srgbClr val="000066"/>
-                </a:solidFill>
-                <a:latin typeface="微軟正黑體" pitchFamily="34" charset="-120"/>
-                <a:ea typeface="微軟正黑體" pitchFamily="34" charset="-120"/>
-              </a:rPr>
-              <a:t>倚靠耶和華的人什麼也不怕 </a:t>
-            </a:r>
-            <a:endParaRPr lang="en-US" altLang="zh-TW" sz="5400" b="1" dirty="0" smtClean="0">
-              <a:solidFill>
-                <a:srgbClr val="000066"/>
-              </a:solidFill>
-              <a:latin typeface="微軟正黑體" pitchFamily="34" charset="-120"/>
-              <a:ea typeface="微軟正黑體" pitchFamily="34" charset="-120"/>
-            </a:endParaRPr>
-          </a:p>
-          <a:p>
-            <a:pPr algn="ctr">
-              <a:buNone/>
-            </a:pPr>
-            <a:r>
-              <a:rPr lang="zh-TW" altLang="en-US" sz="5400" b="1" dirty="0" smtClean="0">
-                <a:solidFill>
-                  <a:srgbClr val="000066"/>
-                </a:solidFill>
-                <a:latin typeface="微軟正黑體" pitchFamily="34" charset="-120"/>
-                <a:ea typeface="微軟正黑體" pitchFamily="34" charset="-120"/>
-              </a:rPr>
-              <a:t>倚靠耶和華 一個不撇下 </a:t>
-            </a:r>
-            <a:endParaRPr lang="en-US" altLang="zh-TW" sz="5400" b="1" dirty="0">
-              <a:solidFill>
-                <a:srgbClr val="000066"/>
-              </a:solidFill>
-              <a:latin typeface="微軟正黑體" pitchFamily="34" charset="-120"/>
-              <a:ea typeface="微軟正黑體" pitchFamily="34" charset="-120"/>
-            </a:endParaRPr>
-          </a:p>
         </p:txBody>
       </p:sp>
     </p:spTree>
+    <p:extLst>
+      <p:ext uri="{BB962C8B-B14F-4D97-AF65-F5344CB8AC3E}">
+        <p14:creationId xmlns:p14="http://schemas.microsoft.com/office/powerpoint/2010/main" val="1143787392"/>
+      </p:ext>
+    </p:extLst>
   </p:cSld>
   <p:clrMapOvr>
     <a:masterClrMapping/>
   </p:clrMapOvr>
-  <p:timing>
-    <p:tnLst>
-      <p:par>
-        <p:cTn id="1" dur="indefinite" restart="never" nodeType="tmRoot"/>
-      </p:par>
-    </p:tnLst>
-  </p:timing>
 </p:sld>
 </file>
 
@@ -4457,44 +3852,60 @@
       </p:grpSpPr>
       <p:sp>
         <p:nvSpPr>
-          <p:cNvPr id="4" name="標題 3"/>
-          <p:cNvSpPr>
-            <a:spLocks noGrp="1"/>
-          </p:cNvSpPr>
-          <p:nvPr>
-            <p:ph type="title"/>
+          <p:cNvPr id="5" name="內容版面配置區 4"/>
+          <p:cNvSpPr>
+            <a:spLocks noGrp="1"/>
+          </p:cNvSpPr>
+          <p:nvPr>
+            <p:ph idx="1"/>
           </p:nvPr>
         </p:nvSpPr>
         <p:spPr>
-          <a:noFill/>
+          <a:xfrm>
+            <a:off x="0" y="2084851"/>
+            <a:ext cx="12192000" cy="2404863"/>
+          </a:xfrm>
         </p:spPr>
         <p:txBody>
-          <a:bodyPr>
+          <a:bodyPr anchor="ctr">
             <a:normAutofit/>
           </a:bodyPr>
           <a:lstStyle/>
           <a:p>
-            <a:r>
-              <a:rPr lang="zh-TW" altLang="en-US" b="1" dirty="0">
+            <a:pPr algn="ctr">
+              <a:buNone/>
+            </a:pPr>
+            <a:r>
+              <a:rPr lang="zh-TW" altLang="en-US" sz="6400" b="1" dirty="0">
                 <a:solidFill>
                   <a:srgbClr val="000066"/>
                 </a:solidFill>
                 <a:latin typeface="微軟正黑體" pitchFamily="34" charset="-120"/>
                 <a:ea typeface="微軟正黑體" pitchFamily="34" charset="-120"/>
               </a:rPr>
-              <a:t>陪我走</a:t>
-            </a:r>
-            <a:r>
-              <a:rPr lang="zh-TW" altLang="en-US" b="1" dirty="0" smtClean="0">
+              <a:t>一年年的長大</a:t>
+            </a:r>
+            <a:r>
+              <a:rPr lang="en-US" altLang="zh-TW" sz="6400" b="1" dirty="0">
                 <a:solidFill>
                   <a:srgbClr val="000066"/>
                 </a:solidFill>
                 <a:latin typeface="微軟正黑體" pitchFamily="34" charset="-120"/>
                 <a:ea typeface="微軟正黑體" pitchFamily="34" charset="-120"/>
               </a:rPr>
-              <a:t>過春夏秋冬</a:t>
-            </a:r>
-            <a:endParaRPr lang="zh-TW" altLang="en-US" b="1" dirty="0">
+              <a:t>  </a:t>
+            </a:r>
+            <a:r>
+              <a:rPr lang="zh-TW" altLang="en-US" sz="6400" b="1" dirty="0">
+                <a:solidFill>
+                  <a:srgbClr val="000066"/>
+                </a:solidFill>
+                <a:latin typeface="微軟正黑體" pitchFamily="34" charset="-120"/>
+                <a:ea typeface="微軟正黑體" pitchFamily="34" charset="-120"/>
+              </a:rPr>
+              <a:t>一次次的切慕</a:t>
+            </a:r>
+            <a:endParaRPr lang="en-US" altLang="zh-TW" sz="6400" b="1" dirty="0">
               <a:solidFill>
                 <a:srgbClr val="000066"/>
               </a:solidFill>
@@ -4502,45 +3913,41 @@
               <a:ea typeface="微軟正黑體" pitchFamily="34" charset="-120"/>
             </a:endParaRPr>
           </a:p>
-        </p:txBody>
-      </p:sp>
-      <p:sp>
-        <p:nvSpPr>
-          <p:cNvPr id="5" name="內容版面配置區 4"/>
-          <p:cNvSpPr>
-            <a:spLocks noGrp="1"/>
-          </p:cNvSpPr>
-          <p:nvPr>
-            <p:ph idx="1"/>
-          </p:nvPr>
-        </p:nvSpPr>
-        <p:spPr>
-          <a:xfrm>
-            <a:off x="0" y="1600200"/>
-            <a:ext cx="9144000" cy="4525963"/>
-          </a:xfrm>
-          <a:noFill/>
-        </p:spPr>
-        <p:txBody>
-          <a:bodyPr>
-            <a:normAutofit/>
-          </a:bodyPr>
-          <a:lstStyle/>
           <a:p>
             <a:pPr algn="ctr">
               <a:buNone/>
             </a:pPr>
             <a:r>
-              <a:rPr lang="zh-TW" altLang="en-US" sz="5400" b="1" dirty="0" smtClean="0">
+              <a:rPr lang="zh-TW" altLang="en-US" sz="6400" b="1" dirty="0">
                 <a:solidFill>
                   <a:srgbClr val="000066"/>
                 </a:solidFill>
                 <a:latin typeface="微軟正黑體" pitchFamily="34" charset="-120"/>
                 <a:ea typeface="微軟正黑體" pitchFamily="34" charset="-120"/>
               </a:rPr>
-              <a:t>祢總不撇下我</a:t>
-            </a:r>
-            <a:endParaRPr lang="en-US" altLang="zh-TW" sz="5400" b="1" dirty="0" smtClean="0">
+              <a:t>祢都陪我  安慰我</a:t>
+            </a:r>
+            <a:r>
+              <a:rPr lang="en-US" altLang="zh-TW" sz="6400" b="1" dirty="0">
+                <a:solidFill>
+                  <a:srgbClr val="000066"/>
+                </a:solidFill>
+                <a:latin typeface="微軟正黑體" pitchFamily="34" charset="-120"/>
+                <a:ea typeface="微軟正黑體" pitchFamily="34" charset="-120"/>
+              </a:rPr>
+              <a:t>  </a:t>
+            </a:r>
+            <a:r>
+              <a:rPr lang="zh-TW" altLang="en-US" sz="6400" b="1" dirty="0">
+                <a:solidFill>
+                  <a:srgbClr val="000066"/>
+                </a:solidFill>
+                <a:latin typeface="微軟正黑體" pitchFamily="34" charset="-120"/>
+                <a:ea typeface="微軟正黑體" pitchFamily="34" charset="-120"/>
+              </a:rPr>
+              <a:t>憐憫我</a:t>
+            </a:r>
+            <a:endParaRPr lang="en-US" altLang="zh-TW" sz="6400" b="1" dirty="0">
               <a:solidFill>
                 <a:srgbClr val="000066"/>
               </a:solidFill>
@@ -4548,64 +3955,80 @@
               <a:ea typeface="微軟正黑體" pitchFamily="34" charset="-120"/>
             </a:endParaRPr>
           </a:p>
-          <a:p>
-            <a:pPr algn="ctr">
-              <a:buNone/>
-            </a:pPr>
-            <a:r>
-              <a:rPr lang="zh-TW" altLang="en-US" sz="5400" b="1" dirty="0" smtClean="0">
+        </p:txBody>
+      </p:sp>
+      <p:sp>
+        <p:nvSpPr>
+          <p:cNvPr id="3" name="TextBox 2"/>
+          <p:cNvSpPr txBox="1"/>
+          <p:nvPr/>
+        </p:nvSpPr>
+        <p:spPr>
+          <a:xfrm>
+            <a:off x="0" y="5157192"/>
+            <a:ext cx="12192000" cy="748988"/>
+          </a:xfrm>
+          <a:prstGeom prst="rect">
+            <a:avLst/>
+          </a:prstGeom>
+          <a:noFill/>
+        </p:spPr>
+        <p:txBody>
+          <a:bodyPr wrap="square" rtlCol="0">
+            <a:spAutoFit/>
+          </a:bodyPr>
+          <a:lstStyle/>
+          <a:p>
+            <a:pPr algn="ctr"/>
+            <a:r>
+              <a:rPr lang="en-US" sz="4267" b="1" dirty="0">
                 <a:solidFill>
                   <a:srgbClr val="000066"/>
                 </a:solidFill>
-                <a:latin typeface="微軟正黑體" pitchFamily="34" charset="-120"/>
-                <a:ea typeface="微軟正黑體" pitchFamily="34" charset="-120"/>
+                <a:latin typeface="Microsoft JhengHei" panose="020B0604030504040204" pitchFamily="34" charset="-120"/>
+                <a:ea typeface="Microsoft JhengHei" panose="020B0604030504040204" pitchFamily="34" charset="-120"/>
               </a:rPr>
-              <a:t>永遠不離開我 </a:t>
-            </a:r>
-            <a:endParaRPr lang="en-US" altLang="zh-TW" sz="5400" b="1" dirty="0" smtClean="0">
+              <a:t>( </a:t>
+            </a:r>
+            <a:r>
+              <a:rPr lang="zh-CN" altLang="en-US" sz="4267" b="1" dirty="0">
+                <a:solidFill>
+                  <a:srgbClr val="000066"/>
+                </a:solidFill>
+                <a:latin typeface="Microsoft JhengHei" panose="020B0604030504040204" pitchFamily="34" charset="-120"/>
+                <a:ea typeface="Microsoft JhengHei" panose="020B0604030504040204" pitchFamily="34" charset="-120"/>
+              </a:rPr>
+              <a:t>正</a:t>
+            </a:r>
+            <a:r>
+              <a:rPr lang="en-US" sz="4267" b="1" dirty="0">
+                <a:solidFill>
+                  <a:srgbClr val="000066"/>
+                </a:solidFill>
+                <a:latin typeface="Microsoft JhengHei" panose="020B0604030504040204" pitchFamily="34" charset="-120"/>
+                <a:ea typeface="Microsoft JhengHei" panose="020B0604030504040204" pitchFamily="34" charset="-120"/>
+              </a:rPr>
+              <a:t> )</a:t>
+            </a:r>
+            <a:endParaRPr lang="vi-VN" sz="4267" b="1" dirty="0">
               <a:solidFill>
                 <a:srgbClr val="000066"/>
               </a:solidFill>
-              <a:latin typeface="微軟正黑體" pitchFamily="34" charset="-120"/>
-              <a:ea typeface="微軟正黑體" pitchFamily="34" charset="-120"/>
+              <a:ea typeface="Microsoft JhengHei" panose="020B0604030504040204" pitchFamily="34" charset="-120"/>
             </a:endParaRPr>
           </a:p>
-          <a:p>
-            <a:pPr algn="ctr">
-              <a:buNone/>
-            </a:pPr>
-            <a:r>
-              <a:rPr lang="zh-TW" altLang="en-US" sz="5400" b="1" dirty="0" smtClean="0">
-                <a:solidFill>
-                  <a:srgbClr val="000066"/>
-                </a:solidFill>
-                <a:latin typeface="微軟正黑體" pitchFamily="34" charset="-120"/>
-                <a:ea typeface="微軟正黑體" pitchFamily="34" charset="-120"/>
-              </a:rPr>
-              <a:t>晨昏夜晚陪我度過</a:t>
-            </a:r>
-            <a:endParaRPr lang="en-US" altLang="zh-TW" sz="5400" b="1" dirty="0">
-              <a:solidFill>
-                <a:srgbClr val="000066"/>
-              </a:solidFill>
-              <a:latin typeface="微軟正黑體" pitchFamily="34" charset="-120"/>
-              <a:ea typeface="微軟正黑體" pitchFamily="34" charset="-120"/>
-            </a:endParaRPr>
-          </a:p>
         </p:txBody>
       </p:sp>
     </p:spTree>
+    <p:extLst>
+      <p:ext uri="{BB962C8B-B14F-4D97-AF65-F5344CB8AC3E}">
+        <p14:creationId xmlns:p14="http://schemas.microsoft.com/office/powerpoint/2010/main" val="2297475169"/>
+      </p:ext>
+    </p:extLst>
   </p:cSld>
   <p:clrMapOvr>
     <a:masterClrMapping/>
   </p:clrMapOvr>
-  <p:timing>
-    <p:tnLst>
-      <p:par>
-        <p:cTn id="1" dur="indefinite" restart="never" nodeType="tmRoot"/>
-      </p:par>
-    </p:tnLst>
-  </p:timing>
 </p:sld>
 </file>
 
@@ -4628,44 +4051,40 @@
       </p:grpSpPr>
       <p:sp>
         <p:nvSpPr>
-          <p:cNvPr id="4" name="標題 3"/>
-          <p:cNvSpPr>
-            <a:spLocks noGrp="1"/>
-          </p:cNvSpPr>
-          <p:nvPr>
-            <p:ph type="title"/>
+          <p:cNvPr id="5" name="內容版面配置區 4"/>
+          <p:cNvSpPr>
+            <a:spLocks noGrp="1"/>
+          </p:cNvSpPr>
+          <p:nvPr>
+            <p:ph idx="1"/>
           </p:nvPr>
         </p:nvSpPr>
         <p:spPr>
-          <a:noFill/>
+          <a:xfrm>
+            <a:off x="0" y="2084851"/>
+            <a:ext cx="12192000" cy="2404863"/>
+          </a:xfrm>
         </p:spPr>
         <p:txBody>
-          <a:bodyPr>
+          <a:bodyPr anchor="ctr">
             <a:normAutofit/>
           </a:bodyPr>
           <a:lstStyle/>
           <a:p>
-            <a:r>
-              <a:rPr lang="zh-TW" altLang="en-US" b="1" dirty="0">
+            <a:pPr algn="ctr">
+              <a:buNone/>
+            </a:pPr>
+            <a:r>
+              <a:rPr lang="zh-TW" altLang="en-US" sz="6400" b="1" dirty="0">
                 <a:solidFill>
                   <a:srgbClr val="000066"/>
                 </a:solidFill>
                 <a:latin typeface="微軟正黑體" pitchFamily="34" charset="-120"/>
                 <a:ea typeface="微軟正黑體" pitchFamily="34" charset="-120"/>
               </a:rPr>
-              <a:t>陪我走</a:t>
-            </a:r>
-            <a:r>
-              <a:rPr lang="zh-TW" altLang="en-US" b="1" dirty="0" smtClean="0">
-                <a:solidFill>
-                  <a:srgbClr val="000066"/>
-                </a:solidFill>
-                <a:latin typeface="微軟正黑體" pitchFamily="34" charset="-120"/>
-                <a:ea typeface="微軟正黑體" pitchFamily="34" charset="-120"/>
-              </a:rPr>
-              <a:t>過春夏秋冬</a:t>
-            </a:r>
-            <a:endParaRPr lang="zh-TW" altLang="en-US" b="1" dirty="0">
+              <a:t>祢說會陪我走過春夏秋冬</a:t>
+            </a:r>
+            <a:endParaRPr lang="en-US" altLang="zh-TW" sz="6400" b="1" dirty="0">
               <a:solidFill>
                 <a:srgbClr val="000066"/>
               </a:solidFill>
@@ -4673,45 +4092,21 @@
               <a:ea typeface="微軟正黑體" pitchFamily="34" charset="-120"/>
             </a:endParaRPr>
           </a:p>
-        </p:txBody>
-      </p:sp>
-      <p:sp>
-        <p:nvSpPr>
-          <p:cNvPr id="5" name="內容版面配置區 4"/>
-          <p:cNvSpPr>
-            <a:spLocks noGrp="1"/>
-          </p:cNvSpPr>
-          <p:nvPr>
-            <p:ph idx="1"/>
-          </p:nvPr>
-        </p:nvSpPr>
-        <p:spPr>
-          <a:xfrm>
-            <a:off x="0" y="1600200"/>
-            <a:ext cx="9144000" cy="4525963"/>
-          </a:xfrm>
-          <a:noFill/>
-        </p:spPr>
-        <p:txBody>
-          <a:bodyPr>
-            <a:normAutofit/>
-          </a:bodyPr>
-          <a:lstStyle/>
           <a:p>
             <a:pPr algn="ctr">
               <a:buNone/>
             </a:pPr>
             <a:r>
-              <a:rPr lang="zh-TW" altLang="en-US" sz="5400" b="1" dirty="0" smtClean="0">
+              <a:rPr lang="zh-TW" altLang="en-US" sz="6400" b="1" dirty="0">
                 <a:solidFill>
                   <a:srgbClr val="000066"/>
                 </a:solidFill>
                 <a:latin typeface="微軟正黑體" pitchFamily="34" charset="-120"/>
                 <a:ea typeface="微軟正黑體" pitchFamily="34" charset="-120"/>
               </a:rPr>
-              <a:t>我的日子如何</a:t>
-            </a:r>
-            <a:endParaRPr lang="en-US" altLang="zh-TW" sz="5400" b="1" dirty="0" smtClean="0">
+              <a:t>疼我  引導我  保護我</a:t>
+            </a:r>
+            <a:endParaRPr lang="en-US" altLang="zh-TW" sz="6400" b="1" dirty="0">
               <a:solidFill>
                 <a:srgbClr val="000066"/>
               </a:solidFill>
@@ -4719,21 +4114,136 @@
               <a:ea typeface="微軟正黑體" pitchFamily="34" charset="-120"/>
             </a:endParaRPr>
           </a:p>
+        </p:txBody>
+      </p:sp>
+      <p:sp>
+        <p:nvSpPr>
+          <p:cNvPr id="3" name="TextBox 2"/>
+          <p:cNvSpPr txBox="1"/>
+          <p:nvPr/>
+        </p:nvSpPr>
+        <p:spPr>
+          <a:xfrm>
+            <a:off x="0" y="5157192"/>
+            <a:ext cx="12192000" cy="748988"/>
+          </a:xfrm>
+          <a:prstGeom prst="rect">
+            <a:avLst/>
+          </a:prstGeom>
+          <a:noFill/>
+        </p:spPr>
+        <p:txBody>
+          <a:bodyPr wrap="square" rtlCol="0">
+            <a:spAutoFit/>
+          </a:bodyPr>
+          <a:lstStyle/>
+          <a:p>
+            <a:pPr algn="ctr"/>
+            <a:r>
+              <a:rPr lang="en-US" sz="4267" b="1" dirty="0">
+                <a:solidFill>
+                  <a:srgbClr val="000066"/>
+                </a:solidFill>
+                <a:latin typeface="Microsoft JhengHei" panose="020B0604030504040204" pitchFamily="34" charset="-120"/>
+                <a:ea typeface="Microsoft JhengHei" panose="020B0604030504040204" pitchFamily="34" charset="-120"/>
+              </a:rPr>
+              <a:t>( </a:t>
+            </a:r>
+            <a:r>
+              <a:rPr lang="zh-CN" altLang="en-US" sz="4267" b="1" dirty="0">
+                <a:solidFill>
+                  <a:srgbClr val="000066"/>
+                </a:solidFill>
+                <a:latin typeface="Microsoft JhengHei" panose="020B0604030504040204" pitchFamily="34" charset="-120"/>
+                <a:ea typeface="Microsoft JhengHei" panose="020B0604030504040204" pitchFamily="34" charset="-120"/>
+              </a:rPr>
+              <a:t>副</a:t>
+            </a:r>
+            <a:r>
+              <a:rPr lang="en-US" sz="4267" b="1" dirty="0">
+                <a:solidFill>
+                  <a:srgbClr val="000066"/>
+                </a:solidFill>
+                <a:latin typeface="Microsoft JhengHei" panose="020B0604030504040204" pitchFamily="34" charset="-120"/>
+                <a:ea typeface="Microsoft JhengHei" panose="020B0604030504040204" pitchFamily="34" charset="-120"/>
+              </a:rPr>
+              <a:t> )</a:t>
+            </a:r>
+            <a:endParaRPr lang="vi-VN" sz="4267" b="1" dirty="0">
+              <a:solidFill>
+                <a:srgbClr val="000066"/>
+              </a:solidFill>
+              <a:ea typeface="Microsoft JhengHei" panose="020B0604030504040204" pitchFamily="34" charset="-120"/>
+            </a:endParaRPr>
+          </a:p>
+        </p:txBody>
+      </p:sp>
+    </p:spTree>
+    <p:extLst>
+      <p:ext uri="{BB962C8B-B14F-4D97-AF65-F5344CB8AC3E}">
+        <p14:creationId xmlns:p14="http://schemas.microsoft.com/office/powerpoint/2010/main" val="3332386452"/>
+      </p:ext>
+    </p:extLst>
+  </p:cSld>
+  <p:clrMapOvr>
+    <a:masterClrMapping/>
+  </p:clrMapOvr>
+</p:sld>
+</file>
+
+<file path=ppt/slides/slide6.xml><?xml version="1.0" encoding="utf-8"?>
+<p:sld xmlns:a="http://schemas.openxmlformats.org/drawingml/2006/main" xmlns:r="http://schemas.openxmlformats.org/officeDocument/2006/relationships" xmlns:p="http://schemas.openxmlformats.org/presentationml/2006/main">
+  <p:cSld>
+    <p:spTree>
+      <p:nvGrpSpPr>
+        <p:cNvPr id="1" name=""/>
+        <p:cNvGrpSpPr/>
+        <p:nvPr/>
+      </p:nvGrpSpPr>
+      <p:grpSpPr>
+        <a:xfrm>
+          <a:off x="0" y="0"/>
+          <a:ext cx="0" cy="0"/>
+          <a:chOff x="0" y="0"/>
+          <a:chExt cx="0" cy="0"/>
+        </a:xfrm>
+      </p:grpSpPr>
+      <p:sp>
+        <p:nvSpPr>
+          <p:cNvPr id="5" name="內容版面配置區 4"/>
+          <p:cNvSpPr>
+            <a:spLocks noGrp="1"/>
+          </p:cNvSpPr>
+          <p:nvPr>
+            <p:ph idx="1"/>
+          </p:nvPr>
+        </p:nvSpPr>
+        <p:spPr>
+          <a:xfrm>
+            <a:off x="0" y="2084851"/>
+            <a:ext cx="12192000" cy="2404863"/>
+          </a:xfrm>
+        </p:spPr>
+        <p:txBody>
+          <a:bodyPr anchor="ctr">
+            <a:normAutofit/>
+          </a:bodyPr>
+          <a:lstStyle/>
           <a:p>
             <a:pPr algn="ctr">
               <a:buNone/>
             </a:pPr>
             <a:r>
-              <a:rPr lang="zh-TW" altLang="en-US" sz="5400" b="1" dirty="0" smtClean="0">
+              <a:rPr lang="zh-TW" altLang="en-US" sz="6400" b="1" dirty="0">
                 <a:solidFill>
                   <a:srgbClr val="000066"/>
                 </a:solidFill>
                 <a:latin typeface="微軟正黑體" pitchFamily="34" charset="-120"/>
                 <a:ea typeface="微軟正黑體" pitchFamily="34" charset="-120"/>
               </a:rPr>
-              <a:t>祢的恩典更多 </a:t>
-            </a:r>
-            <a:endParaRPr lang="en-US" altLang="zh-TW" sz="5400" b="1" dirty="0" smtClean="0">
+              <a:t>倚靠耶和華的人什麼也不怕</a:t>
+            </a:r>
+            <a:endParaRPr lang="en-US" altLang="zh-TW" sz="6400" b="1" dirty="0">
               <a:solidFill>
                 <a:srgbClr val="000066"/>
               </a:solidFill>
@@ -4746,16 +4256,16 @@
               <a:buNone/>
             </a:pPr>
             <a:r>
-              <a:rPr lang="zh-TW" altLang="en-US" sz="5400" b="1" dirty="0" smtClean="0">
+              <a:rPr lang="zh-TW" altLang="en-US" sz="6400" b="1" dirty="0">
                 <a:solidFill>
                   <a:srgbClr val="000066"/>
                 </a:solidFill>
                 <a:latin typeface="微軟正黑體" pitchFamily="34" charset="-120"/>
                 <a:ea typeface="微軟正黑體" pitchFamily="34" charset="-120"/>
               </a:rPr>
-              <a:t>在這一切事上靠祢勝過</a:t>
-            </a:r>
-            <a:endParaRPr lang="en-US" altLang="zh-TW" sz="5400" b="1" dirty="0">
+              <a:t>倚靠耶和華  一個不撇下</a:t>
+            </a:r>
+            <a:endParaRPr lang="en-US" altLang="zh-TW" sz="6400" b="1" dirty="0">
               <a:solidFill>
                 <a:srgbClr val="000066"/>
               </a:solidFill>
@@ -4765,18 +4275,436 @@
           </a:p>
         </p:txBody>
       </p:sp>
+      <p:sp>
+        <p:nvSpPr>
+          <p:cNvPr id="3" name="TextBox 2"/>
+          <p:cNvSpPr txBox="1"/>
+          <p:nvPr/>
+        </p:nvSpPr>
+        <p:spPr>
+          <a:xfrm>
+            <a:off x="0" y="5157192"/>
+            <a:ext cx="12192000" cy="748988"/>
+          </a:xfrm>
+          <a:prstGeom prst="rect">
+            <a:avLst/>
+          </a:prstGeom>
+          <a:noFill/>
+        </p:spPr>
+        <p:txBody>
+          <a:bodyPr wrap="square" rtlCol="0">
+            <a:spAutoFit/>
+          </a:bodyPr>
+          <a:lstStyle/>
+          <a:p>
+            <a:pPr algn="ctr"/>
+            <a:r>
+              <a:rPr lang="en-US" sz="4267" b="1" dirty="0">
+                <a:solidFill>
+                  <a:srgbClr val="000066"/>
+                </a:solidFill>
+                <a:latin typeface="Microsoft JhengHei" panose="020B0604030504040204" pitchFamily="34" charset="-120"/>
+                <a:ea typeface="Microsoft JhengHei" panose="020B0604030504040204" pitchFamily="34" charset="-120"/>
+              </a:rPr>
+              <a:t>( </a:t>
+            </a:r>
+            <a:r>
+              <a:rPr lang="zh-CN" altLang="en-US" sz="4267" b="1" dirty="0">
+                <a:solidFill>
+                  <a:srgbClr val="000066"/>
+                </a:solidFill>
+                <a:latin typeface="Microsoft JhengHei" panose="020B0604030504040204" pitchFamily="34" charset="-120"/>
+                <a:ea typeface="Microsoft JhengHei" panose="020B0604030504040204" pitchFamily="34" charset="-120"/>
+              </a:rPr>
+              <a:t>副</a:t>
+            </a:r>
+            <a:r>
+              <a:rPr lang="en-US" sz="4267" b="1" dirty="0">
+                <a:solidFill>
+                  <a:srgbClr val="000066"/>
+                </a:solidFill>
+                <a:latin typeface="Microsoft JhengHei" panose="020B0604030504040204" pitchFamily="34" charset="-120"/>
+                <a:ea typeface="Microsoft JhengHei" panose="020B0604030504040204" pitchFamily="34" charset="-120"/>
+              </a:rPr>
+              <a:t> )</a:t>
+            </a:r>
+            <a:endParaRPr lang="vi-VN" sz="4267" b="1" dirty="0">
+              <a:solidFill>
+                <a:srgbClr val="000066"/>
+              </a:solidFill>
+              <a:ea typeface="Microsoft JhengHei" panose="020B0604030504040204" pitchFamily="34" charset="-120"/>
+            </a:endParaRPr>
+          </a:p>
+        </p:txBody>
+      </p:sp>
     </p:spTree>
+    <p:extLst>
+      <p:ext uri="{BB962C8B-B14F-4D97-AF65-F5344CB8AC3E}">
+        <p14:creationId xmlns:p14="http://schemas.microsoft.com/office/powerpoint/2010/main" val="2558134734"/>
+      </p:ext>
+    </p:extLst>
   </p:cSld>
   <p:clrMapOvr>
     <a:masterClrMapping/>
   </p:clrMapOvr>
-  <p:timing>
-    <p:tnLst>
-      <p:par>
-        <p:cTn id="1" dur="indefinite" restart="never" nodeType="tmRoot"/>
-      </p:par>
-    </p:tnLst>
-  </p:timing>
+</p:sld>
+</file>
+
+<file path=ppt/slides/slide7.xml><?xml version="1.0" encoding="utf-8"?>
+<p:sld xmlns:a="http://schemas.openxmlformats.org/drawingml/2006/main" xmlns:r="http://schemas.openxmlformats.org/officeDocument/2006/relationships" xmlns:p="http://schemas.openxmlformats.org/presentationml/2006/main">
+  <p:cSld>
+    <p:spTree>
+      <p:nvGrpSpPr>
+        <p:cNvPr id="1" name=""/>
+        <p:cNvGrpSpPr/>
+        <p:nvPr/>
+      </p:nvGrpSpPr>
+      <p:grpSpPr>
+        <a:xfrm>
+          <a:off x="0" y="0"/>
+          <a:ext cx="0" cy="0"/>
+          <a:chOff x="0" y="0"/>
+          <a:chExt cx="0" cy="0"/>
+        </a:xfrm>
+      </p:grpSpPr>
+      <p:sp>
+        <p:nvSpPr>
+          <p:cNvPr id="5" name="內容版面配置區 4"/>
+          <p:cNvSpPr>
+            <a:spLocks noGrp="1"/>
+          </p:cNvSpPr>
+          <p:nvPr>
+            <p:ph idx="1"/>
+          </p:nvPr>
+        </p:nvSpPr>
+        <p:spPr>
+          <a:xfrm>
+            <a:off x="0" y="2084851"/>
+            <a:ext cx="12192000" cy="2404863"/>
+          </a:xfrm>
+        </p:spPr>
+        <p:txBody>
+          <a:bodyPr anchor="ctr">
+            <a:normAutofit/>
+          </a:bodyPr>
+          <a:lstStyle/>
+          <a:p>
+            <a:pPr algn="ctr">
+              <a:buNone/>
+            </a:pPr>
+            <a:r>
+              <a:rPr lang="zh-TW" altLang="en-US" sz="6400" b="1" dirty="0">
+                <a:solidFill>
+                  <a:srgbClr val="000066"/>
+                </a:solidFill>
+                <a:latin typeface="微軟正黑體" pitchFamily="34" charset="-120"/>
+                <a:ea typeface="微軟正黑體" pitchFamily="34" charset="-120"/>
+              </a:rPr>
+              <a:t>祢總不撇下我</a:t>
+            </a:r>
+            <a:r>
+              <a:rPr lang="en-US" altLang="zh-TW" sz="6400" b="1" dirty="0">
+                <a:solidFill>
+                  <a:srgbClr val="000066"/>
+                </a:solidFill>
+                <a:latin typeface="微軟正黑體" pitchFamily="34" charset="-120"/>
+                <a:ea typeface="微軟正黑體" pitchFamily="34" charset="-120"/>
+              </a:rPr>
+              <a:t>  </a:t>
+            </a:r>
+            <a:r>
+              <a:rPr lang="zh-TW" altLang="en-US" sz="6400" b="1" dirty="0">
+                <a:solidFill>
+                  <a:srgbClr val="000066"/>
+                </a:solidFill>
+                <a:latin typeface="微軟正黑體" pitchFamily="34" charset="-120"/>
+                <a:ea typeface="微軟正黑體" pitchFamily="34" charset="-120"/>
+              </a:rPr>
+              <a:t>永遠不離開我</a:t>
+            </a:r>
+            <a:endParaRPr lang="en-US" altLang="zh-TW" sz="6400" b="1" dirty="0">
+              <a:solidFill>
+                <a:srgbClr val="000066"/>
+              </a:solidFill>
+              <a:latin typeface="微軟正黑體" pitchFamily="34" charset="-120"/>
+              <a:ea typeface="微軟正黑體" pitchFamily="34" charset="-120"/>
+            </a:endParaRPr>
+          </a:p>
+          <a:p>
+            <a:pPr algn="ctr">
+              <a:buNone/>
+            </a:pPr>
+            <a:r>
+              <a:rPr lang="zh-TW" altLang="en-US" sz="6400" b="1" dirty="0">
+                <a:solidFill>
+                  <a:srgbClr val="000066"/>
+                </a:solidFill>
+                <a:latin typeface="微軟正黑體" pitchFamily="34" charset="-120"/>
+                <a:ea typeface="微軟正黑體" pitchFamily="34" charset="-120"/>
+              </a:rPr>
+              <a:t>晨昏夜晚陪我度過</a:t>
+            </a:r>
+            <a:endParaRPr lang="en-US" altLang="zh-TW" sz="6400" b="1" dirty="0">
+              <a:solidFill>
+                <a:srgbClr val="000066"/>
+              </a:solidFill>
+              <a:latin typeface="微軟正黑體" pitchFamily="34" charset="-120"/>
+              <a:ea typeface="微軟正黑體" pitchFamily="34" charset="-120"/>
+            </a:endParaRPr>
+          </a:p>
+        </p:txBody>
+      </p:sp>
+      <p:sp>
+        <p:nvSpPr>
+          <p:cNvPr id="3" name="TextBox 2"/>
+          <p:cNvSpPr txBox="1"/>
+          <p:nvPr/>
+        </p:nvSpPr>
+        <p:spPr>
+          <a:xfrm>
+            <a:off x="0" y="5157192"/>
+            <a:ext cx="12192000" cy="748988"/>
+          </a:xfrm>
+          <a:prstGeom prst="rect">
+            <a:avLst/>
+          </a:prstGeom>
+          <a:noFill/>
+        </p:spPr>
+        <p:txBody>
+          <a:bodyPr wrap="square" rtlCol="0">
+            <a:spAutoFit/>
+          </a:bodyPr>
+          <a:lstStyle/>
+          <a:p>
+            <a:pPr algn="ctr"/>
+            <a:r>
+              <a:rPr lang="en-US" sz="4267" b="1" dirty="0">
+                <a:solidFill>
+                  <a:srgbClr val="000066"/>
+                </a:solidFill>
+                <a:latin typeface="Microsoft JhengHei" panose="020B0604030504040204" pitchFamily="34" charset="-120"/>
+                <a:ea typeface="Microsoft JhengHei" panose="020B0604030504040204" pitchFamily="34" charset="-120"/>
+              </a:rPr>
+              <a:t>( </a:t>
+            </a:r>
+            <a:r>
+              <a:rPr lang="zh-CN" altLang="en-US" sz="4267" b="1" dirty="0">
+                <a:solidFill>
+                  <a:srgbClr val="000066"/>
+                </a:solidFill>
+                <a:latin typeface="Microsoft JhengHei" panose="020B0604030504040204" pitchFamily="34" charset="-120"/>
+                <a:ea typeface="Microsoft JhengHei" panose="020B0604030504040204" pitchFamily="34" charset="-120"/>
+              </a:rPr>
+              <a:t>橋</a:t>
+            </a:r>
+            <a:r>
+              <a:rPr lang="en-US" sz="4267" b="1" dirty="0">
+                <a:solidFill>
+                  <a:srgbClr val="000066"/>
+                </a:solidFill>
+                <a:latin typeface="Microsoft JhengHei" panose="020B0604030504040204" pitchFamily="34" charset="-120"/>
+                <a:ea typeface="Microsoft JhengHei" panose="020B0604030504040204" pitchFamily="34" charset="-120"/>
+              </a:rPr>
+              <a:t> )</a:t>
+            </a:r>
+            <a:endParaRPr lang="vi-VN" sz="4267" b="1" dirty="0">
+              <a:solidFill>
+                <a:srgbClr val="000066"/>
+              </a:solidFill>
+              <a:ea typeface="Microsoft JhengHei" panose="020B0604030504040204" pitchFamily="34" charset="-120"/>
+            </a:endParaRPr>
+          </a:p>
+        </p:txBody>
+      </p:sp>
+    </p:spTree>
+    <p:extLst>
+      <p:ext uri="{BB962C8B-B14F-4D97-AF65-F5344CB8AC3E}">
+        <p14:creationId xmlns:p14="http://schemas.microsoft.com/office/powerpoint/2010/main" val="691340870"/>
+      </p:ext>
+    </p:extLst>
+  </p:cSld>
+  <p:clrMapOvr>
+    <a:masterClrMapping/>
+  </p:clrMapOvr>
+</p:sld>
+</file>
+
+<file path=ppt/slides/slide8.xml><?xml version="1.0" encoding="utf-8"?>
+<p:sld xmlns:a="http://schemas.openxmlformats.org/drawingml/2006/main" xmlns:r="http://schemas.openxmlformats.org/officeDocument/2006/relationships" xmlns:p="http://schemas.openxmlformats.org/presentationml/2006/main">
+  <p:cSld>
+    <p:spTree>
+      <p:nvGrpSpPr>
+        <p:cNvPr id="1" name=""/>
+        <p:cNvGrpSpPr/>
+        <p:nvPr/>
+      </p:nvGrpSpPr>
+      <p:grpSpPr>
+        <a:xfrm>
+          <a:off x="0" y="0"/>
+          <a:ext cx="0" cy="0"/>
+          <a:chOff x="0" y="0"/>
+          <a:chExt cx="0" cy="0"/>
+        </a:xfrm>
+      </p:grpSpPr>
+      <p:sp>
+        <p:nvSpPr>
+          <p:cNvPr id="5" name="內容版面配置區 4"/>
+          <p:cNvSpPr>
+            <a:spLocks noGrp="1"/>
+          </p:cNvSpPr>
+          <p:nvPr>
+            <p:ph idx="1"/>
+          </p:nvPr>
+        </p:nvSpPr>
+        <p:spPr>
+          <a:xfrm>
+            <a:off x="0" y="2084851"/>
+            <a:ext cx="12192000" cy="2404863"/>
+          </a:xfrm>
+        </p:spPr>
+        <p:txBody>
+          <a:bodyPr anchor="ctr">
+            <a:normAutofit/>
+          </a:bodyPr>
+          <a:lstStyle/>
+          <a:p>
+            <a:pPr algn="ctr">
+              <a:buNone/>
+            </a:pPr>
+            <a:r>
+              <a:rPr lang="zh-TW" altLang="en-US" sz="6400" b="1" dirty="0">
+                <a:solidFill>
+                  <a:srgbClr val="000066"/>
+                </a:solidFill>
+                <a:latin typeface="微軟正黑體" pitchFamily="34" charset="-120"/>
+                <a:ea typeface="微軟正黑體" pitchFamily="34" charset="-120"/>
+              </a:rPr>
+              <a:t>我的日子如何</a:t>
+            </a:r>
+            <a:r>
+              <a:rPr lang="en-US" altLang="zh-TW" sz="6400" b="1" dirty="0">
+                <a:solidFill>
+                  <a:srgbClr val="000066"/>
+                </a:solidFill>
+                <a:latin typeface="微軟正黑體" pitchFamily="34" charset="-120"/>
+                <a:ea typeface="微軟正黑體" pitchFamily="34" charset="-120"/>
+              </a:rPr>
+              <a:t>  </a:t>
+            </a:r>
+            <a:r>
+              <a:rPr lang="zh-TW" altLang="en-US" sz="6400" b="1" dirty="0">
+                <a:solidFill>
+                  <a:srgbClr val="000066"/>
+                </a:solidFill>
+                <a:latin typeface="微軟正黑體" pitchFamily="34" charset="-120"/>
+                <a:ea typeface="微軟正黑體" pitchFamily="34" charset="-120"/>
+              </a:rPr>
+              <a:t>祢的恩典更多</a:t>
+            </a:r>
+            <a:endParaRPr lang="en-US" altLang="zh-TW" sz="6400" b="1" dirty="0">
+              <a:solidFill>
+                <a:srgbClr val="000066"/>
+              </a:solidFill>
+              <a:latin typeface="微軟正黑體" pitchFamily="34" charset="-120"/>
+              <a:ea typeface="微軟正黑體" pitchFamily="34" charset="-120"/>
+            </a:endParaRPr>
+          </a:p>
+          <a:p>
+            <a:pPr algn="ctr">
+              <a:buNone/>
+            </a:pPr>
+            <a:r>
+              <a:rPr lang="zh-TW" altLang="en-US" sz="6400" b="1" dirty="0">
+                <a:solidFill>
+                  <a:srgbClr val="000066"/>
+                </a:solidFill>
+                <a:latin typeface="微軟正黑體" pitchFamily="34" charset="-120"/>
+                <a:ea typeface="微軟正黑體" pitchFamily="34" charset="-120"/>
+              </a:rPr>
+              <a:t>在這一切事上靠祢勝過</a:t>
+            </a:r>
+            <a:endParaRPr lang="en-US" altLang="zh-TW" sz="6400" b="1" dirty="0">
+              <a:solidFill>
+                <a:srgbClr val="000066"/>
+              </a:solidFill>
+              <a:latin typeface="微軟正黑體" pitchFamily="34" charset="-120"/>
+              <a:ea typeface="微軟正黑體" pitchFamily="34" charset="-120"/>
+            </a:endParaRPr>
+          </a:p>
+        </p:txBody>
+      </p:sp>
+      <p:sp>
+        <p:nvSpPr>
+          <p:cNvPr id="3" name="TextBox 2"/>
+          <p:cNvSpPr txBox="1"/>
+          <p:nvPr/>
+        </p:nvSpPr>
+        <p:spPr>
+          <a:xfrm>
+            <a:off x="0" y="5157192"/>
+            <a:ext cx="12192000" cy="748988"/>
+          </a:xfrm>
+          <a:prstGeom prst="rect">
+            <a:avLst/>
+          </a:prstGeom>
+          <a:noFill/>
+        </p:spPr>
+        <p:txBody>
+          <a:bodyPr wrap="square" rtlCol="0">
+            <a:spAutoFit/>
+          </a:bodyPr>
+          <a:lstStyle/>
+          <a:p>
+            <a:pPr algn="ctr"/>
+            <a:r>
+              <a:rPr lang="en-US" sz="4267" b="1" dirty="0">
+                <a:solidFill>
+                  <a:srgbClr val="000066"/>
+                </a:solidFill>
+                <a:latin typeface="Microsoft JhengHei" panose="020B0604030504040204" pitchFamily="34" charset="-120"/>
+                <a:ea typeface="Microsoft JhengHei" panose="020B0604030504040204" pitchFamily="34" charset="-120"/>
+              </a:rPr>
+              <a:t>( </a:t>
+            </a:r>
+            <a:r>
+              <a:rPr lang="zh-CN" altLang="en-US" sz="4267" b="1" dirty="0">
+                <a:solidFill>
+                  <a:srgbClr val="000066"/>
+                </a:solidFill>
+                <a:latin typeface="Microsoft JhengHei" panose="020B0604030504040204" pitchFamily="34" charset="-120"/>
+                <a:ea typeface="Microsoft JhengHei" panose="020B0604030504040204" pitchFamily="34" charset="-120"/>
+              </a:rPr>
+              <a:t>橋</a:t>
+            </a:r>
+            <a:r>
+              <a:rPr lang="en-US" sz="4267" b="1" dirty="0">
+                <a:solidFill>
+                  <a:srgbClr val="000066"/>
+                </a:solidFill>
+                <a:latin typeface="Microsoft JhengHei" panose="020B0604030504040204" pitchFamily="34" charset="-120"/>
+                <a:ea typeface="Microsoft JhengHei" panose="020B0604030504040204" pitchFamily="34" charset="-120"/>
+              </a:rPr>
+              <a:t> )</a:t>
+            </a:r>
+            <a:endParaRPr lang="vi-VN" sz="4267" b="1" dirty="0">
+              <a:solidFill>
+                <a:srgbClr val="000066"/>
+              </a:solidFill>
+              <a:ea typeface="Microsoft JhengHei" panose="020B0604030504040204" pitchFamily="34" charset="-120"/>
+            </a:endParaRPr>
+          </a:p>
+        </p:txBody>
+      </p:sp>
+    </p:spTree>
+    <p:extLst>
+      <p:ext uri="{BB962C8B-B14F-4D97-AF65-F5344CB8AC3E}">
+        <p14:creationId xmlns:p14="http://schemas.microsoft.com/office/powerpoint/2010/main" val="1602776938"/>
+      </p:ext>
+    </p:extLst>
+  </p:cSld>
+  <p:clrMapOvr>
+    <a:masterClrMapping/>
+  </p:clrMapOvr>
 </p:sld>
 </file>
 
